--- a/modules/module03/slides.pptx
+++ b/modules/module03/slides.pptx
@@ -35,6 +35,7 @@
     <p:sldId id="283" r:id="rId29"/>
     <p:sldId id="284" r:id="rId30"/>
     <p:sldId id="285" r:id="rId31"/>
+    <p:sldId id="286" r:id="rId32"/>
   </p:sldIdLst>
   <p:sldSz cx="9144000" cy="6858000" type="screen4x3"/>
   <p:notesSz cx="6858000" cy="9144000"/>
@@ -3697,7 +3698,7 @@
             </a:r>
             <a:r>
               <a:rPr/>
-              <a:t> which you just saw. Here are a few, but use </a:t>
+              <a:t> which you just saw. Here are a few more, but try using </a:t>
             </a:r>
             <a:r>
               <a:rPr i="1"/>
@@ -4081,21 +4082,47 @@
             <a:pPr lvl="1"/>
             <a:r>
               <a:rPr/>
-              <a:t>Like strings, elements can be accessed by index position</a:t>
+              <a:t>Like strings, elements can be accessed by index position: </a:t>
+            </a:r>
+            <a:r>
+              <a:rPr sz="1800">
+                <a:latin typeface="Courier"/>
+              </a:rPr>
+              <a:t>my_list[2]</a:t>
             </a:r>
           </a:p>
           <a:p>
             <a:pPr lvl="1"/>
             <a:r>
               <a:rPr/>
-              <a:t>Like strings, lists can be sliced</a:t>
+              <a:t>Like strings, lists can be sliced: </a:t>
+            </a:r>
+            <a:r>
+              <a:rPr sz="1800">
+                <a:latin typeface="Courier"/>
+              </a:rPr>
+              <a:t>my_list[2:5]</a:t>
             </a:r>
           </a:p>
           <a:p>
             <a:pPr lvl="1"/>
             <a:r>
               <a:rPr/>
-              <a:t>Use len() to find out how many elements are in a list</a:t>
+              <a:t>Use </a:t>
+            </a:r>
+            <a:r>
+              <a:rPr b="1"/>
+              <a:t>len()</a:t>
+            </a:r>
+            <a:r>
+              <a:rPr/>
+              <a:t> to find out how many elements are in a list: </a:t>
+            </a:r>
+            <a:r>
+              <a:rPr sz="1800">
+                <a:latin typeface="Courier"/>
+              </a:rPr>
+              <a:t>len(my_list)</a:t>
             </a:r>
           </a:p>
         </p:txBody>
@@ -4145,21 +4172,24 @@
             </a:pPr>
             <a:r>
               <a:rPr b="1"/>
-              <a:t>Modifying lists</a:t>
-            </a:r>
-          </a:p>
-          <a:p>
-            <a:pPr lvl="1"/>
-            <a:r>
-              <a:rPr/>
-              <a:t>Unlike strings, lists can be changed in place</a:t>
-            </a:r>
-          </a:p>
-          <a:p>
-            <a:pPr lvl="1"/>
-            <a:r>
-              <a:rPr/>
-              <a:t>You can reassign the item at a particular position</a:t>
+              <a:t>Loops and Lists</a:t>
+            </a:r>
+          </a:p>
+          <a:p>
+            <a:pPr lvl="0" marL="0" indent="0">
+              <a:buNone/>
+            </a:pPr>
+            <a:r>
+              <a:rPr/>
+              <a:t>And the </a:t>
+            </a:r>
+            <a:r>
+              <a:rPr b="1"/>
+              <a:t>for loop</a:t>
+            </a:r>
+            <a:r>
+              <a:rPr/>
+              <a:t> is super handy for operating on lists:</a:t>
             </a:r>
           </a:p>
           <a:p>
@@ -4170,7 +4200,7 @@
               <a:rPr sz="1800">
                 <a:latin typeface="Courier"/>
               </a:rPr>
-              <a:t>x </a:t>
+              <a:t>colors </a:t>
             </a:r>
             <a:r>
               <a:rPr sz="1800">
@@ -4194,7 +4224,7 @@
                 </a:solidFill>
                 <a:latin typeface="Courier"/>
               </a:rPr>
-              <a:t>'hello'</a:t>
+              <a:t>"red"</a:t>
             </a:r>
             <a:r>
               <a:rPr sz="1800">
@@ -4209,50 +4239,13 @@
                 </a:solidFill>
                 <a:latin typeface="Courier"/>
               </a:rPr>
-              <a:t>'world'</a:t>
-            </a:r>
-            <a:r>
-              <a:rPr sz="1800">
-                <a:latin typeface="Courier"/>
-              </a:rPr>
-              <a:t>]</a:t>
-            </a:r>
-            <a:br/>
-            <a:r>
-              <a:rPr sz="1800">
-                <a:latin typeface="Courier"/>
-              </a:rPr>
-              <a:t>x[</a:t>
-            </a:r>
-            <a:r>
-              <a:rPr sz="1800">
-                <a:solidFill>
-                  <a:srgbClr val="40A070"/>
-                </a:solidFill>
-                <a:latin typeface="Courier"/>
-              </a:rPr>
-              <a:t>1</a:t>
-            </a:r>
-            <a:r>
-              <a:rPr sz="1800">
-                <a:latin typeface="Courier"/>
-              </a:rPr>
-              <a:t>] </a:t>
-            </a:r>
-            <a:r>
-              <a:rPr sz="1800">
-                <a:solidFill>
-                  <a:srgbClr val="666666"/>
-                </a:solidFill>
-                <a:latin typeface="Courier"/>
-              </a:rPr>
-              <a:t>=</a:t>
-            </a:r>
-            <a:r>
-              <a:rPr sz="1800">
-                <a:latin typeface="Courier"/>
-              </a:rPr>
-              <a:t> </a:t>
+              <a:t>"green"</a:t>
+            </a:r>
+            <a:r>
+              <a:rPr sz="1800">
+                <a:latin typeface="Courier"/>
+              </a:rPr>
+              <a:t>, </a:t>
             </a:r>
             <a:r>
               <a:rPr sz="1800">
@@ -4261,21 +4254,13 @@
                 </a:solidFill>
                 <a:latin typeface="Courier"/>
               </a:rPr>
-              <a:t>'universe'</a:t>
-            </a:r>
-            <a:br/>
-            <a:r>
-              <a:rPr sz="1800">
-                <a:latin typeface="Courier"/>
-              </a:rPr>
-              <a:t>print(x)</a:t>
-            </a:r>
-            <a:br/>
-            <a:r>
-              <a:rPr sz="1800">
-                <a:latin typeface="Courier"/>
-              </a:rPr>
-              <a:t>[</a:t>
+              <a:t>"blue"</a:t>
+            </a:r>
+            <a:r>
+              <a:rPr sz="1800">
+                <a:latin typeface="Courier"/>
+              </a:rPr>
+              <a:t>, </a:t>
             </a:r>
             <a:r>
               <a:rPr sz="1800">
@@ -4284,28 +4269,51 @@
                 </a:solidFill>
                 <a:latin typeface="Courier"/>
               </a:rPr>
-              <a:t>'hello'</a:t>
-            </a:r>
-            <a:r>
-              <a:rPr sz="1800">
-                <a:latin typeface="Courier"/>
-              </a:rPr>
-              <a:t>, </a:t>
-            </a:r>
-            <a:r>
-              <a:rPr sz="1800">
+              <a:t>"black"</a:t>
+            </a:r>
+            <a:r>
+              <a:rPr sz="1800">
+                <a:latin typeface="Courier"/>
+              </a:rPr>
+              <a:t>]</a:t>
+            </a:r>
+            <a:br/>
+            <a:r>
+              <a:rPr sz="1800" b="1">
                 <a:solidFill>
-                  <a:srgbClr val="4070A0"/>
+                  <a:srgbClr val="007020"/>
                 </a:solidFill>
                 <a:latin typeface="Courier"/>
               </a:rPr>
-              <a:t>'universe'</a:t>
-            </a:r>
-            <a:r>
-              <a:rPr sz="1800">
-                <a:latin typeface="Courier"/>
-              </a:rPr>
-              <a:t>]</a:t>
+              <a:t>for</a:t>
+            </a:r>
+            <a:r>
+              <a:rPr sz="1800">
+                <a:latin typeface="Courier"/>
+              </a:rPr>
+              <a:t> color </a:t>
+            </a:r>
+            <a:r>
+              <a:rPr sz="1800" b="1">
+                <a:solidFill>
+                  <a:srgbClr val="007020"/>
+                </a:solidFill>
+                <a:latin typeface="Courier"/>
+              </a:rPr>
+              <a:t>in</a:t>
+            </a:r>
+            <a:r>
+              <a:rPr sz="1800">
+                <a:latin typeface="Courier"/>
+              </a:rPr>
+              <a:t> colors:</a:t>
+            </a:r>
+            <a:br/>
+            <a:r>
+              <a:rPr sz="1800">
+                <a:latin typeface="Courier"/>
+              </a:rPr>
+              <a:t>    print(color)</a:t>
             </a:r>
           </a:p>
         </p:txBody>
@@ -4355,7 +4363,167 @@
             </a:pPr>
             <a:r>
               <a:rPr b="1"/>
-              <a:t>Exercise!</a:t>
+              <a:t>Modifying lists</a:t>
+            </a:r>
+          </a:p>
+          <a:p>
+            <a:pPr lvl="1"/>
+            <a:r>
+              <a:rPr/>
+              <a:t>Unlike strings, lists can be changed in place</a:t>
+            </a:r>
+          </a:p>
+          <a:p>
+            <a:pPr lvl="1"/>
+            <a:r>
+              <a:rPr/>
+              <a:t>You can reassign the item at a particular position</a:t>
+            </a:r>
+          </a:p>
+          <a:p>
+            <a:pPr lvl="0" marL="1270000" indent="0">
+              <a:buNone/>
+            </a:pPr>
+            <a:r>
+              <a:rPr sz="1800">
+                <a:latin typeface="Courier"/>
+              </a:rPr>
+              <a:t>x </a:t>
+            </a:r>
+            <a:r>
+              <a:rPr sz="1800">
+                <a:solidFill>
+                  <a:srgbClr val="666666"/>
+                </a:solidFill>
+                <a:latin typeface="Courier"/>
+              </a:rPr>
+              <a:t>=</a:t>
+            </a:r>
+            <a:r>
+              <a:rPr sz="1800">
+                <a:latin typeface="Courier"/>
+              </a:rPr>
+              <a:t> [</a:t>
+            </a:r>
+            <a:r>
+              <a:rPr sz="1800">
+                <a:solidFill>
+                  <a:srgbClr val="4070A0"/>
+                </a:solidFill>
+                <a:latin typeface="Courier"/>
+              </a:rPr>
+              <a:t>'hello'</a:t>
+            </a:r>
+            <a:r>
+              <a:rPr sz="1800">
+                <a:latin typeface="Courier"/>
+              </a:rPr>
+              <a:t>, </a:t>
+            </a:r>
+            <a:r>
+              <a:rPr sz="1800">
+                <a:solidFill>
+                  <a:srgbClr val="4070A0"/>
+                </a:solidFill>
+                <a:latin typeface="Courier"/>
+              </a:rPr>
+              <a:t>'world'</a:t>
+            </a:r>
+            <a:r>
+              <a:rPr sz="1800">
+                <a:latin typeface="Courier"/>
+              </a:rPr>
+              <a:t>]</a:t>
+            </a:r>
+            <a:br/>
+            <a:r>
+              <a:rPr sz="1800">
+                <a:latin typeface="Courier"/>
+              </a:rPr>
+              <a:t>x[</a:t>
+            </a:r>
+            <a:r>
+              <a:rPr sz="1800">
+                <a:solidFill>
+                  <a:srgbClr val="40A070"/>
+                </a:solidFill>
+                <a:latin typeface="Courier"/>
+              </a:rPr>
+              <a:t>1</a:t>
+            </a:r>
+            <a:r>
+              <a:rPr sz="1800">
+                <a:latin typeface="Courier"/>
+              </a:rPr>
+              <a:t>] </a:t>
+            </a:r>
+            <a:r>
+              <a:rPr sz="1800">
+                <a:solidFill>
+                  <a:srgbClr val="666666"/>
+                </a:solidFill>
+                <a:latin typeface="Courier"/>
+              </a:rPr>
+              <a:t>=</a:t>
+            </a:r>
+            <a:r>
+              <a:rPr sz="1800">
+                <a:latin typeface="Courier"/>
+              </a:rPr>
+              <a:t> </a:t>
+            </a:r>
+            <a:r>
+              <a:rPr sz="1800">
+                <a:solidFill>
+                  <a:srgbClr val="4070A0"/>
+                </a:solidFill>
+                <a:latin typeface="Courier"/>
+              </a:rPr>
+              <a:t>'universe'</a:t>
+            </a:r>
+            <a:br/>
+            <a:r>
+              <a:rPr sz="1800">
+                <a:latin typeface="Courier"/>
+              </a:rPr>
+              <a:t>print(x)</a:t>
+            </a:r>
+            <a:br/>
+            <a:r>
+              <a:rPr sz="1800">
+                <a:latin typeface="Courier"/>
+              </a:rPr>
+              <a:t>[</a:t>
+            </a:r>
+            <a:r>
+              <a:rPr sz="1800">
+                <a:solidFill>
+                  <a:srgbClr val="4070A0"/>
+                </a:solidFill>
+                <a:latin typeface="Courier"/>
+              </a:rPr>
+              <a:t>'hello'</a:t>
+            </a:r>
+            <a:r>
+              <a:rPr sz="1800">
+                <a:latin typeface="Courier"/>
+              </a:rPr>
+              <a:t>, </a:t>
+            </a:r>
+            <a:r>
+              <a:rPr sz="1800">
+                <a:solidFill>
+                  <a:srgbClr val="4070A0"/>
+                </a:solidFill>
+                <a:latin typeface="Courier"/>
+              </a:rPr>
+              <a:t>'universe'</a:t>
+            </a:r>
+            <a:r>
+              <a:rPr sz="1800">
+                <a:latin typeface="Courier"/>
+              </a:rPr>
+              <a:t>]</a:t>
             </a:r>
           </a:p>
         </p:txBody>
@@ -4459,12 +4627,12 @@
       </p:grpSpPr>
       <p:sp>
         <p:nvSpPr>
-          <p:cNvPr id="2" name="Title 1"/>
-          <p:cNvSpPr>
-            <a:spLocks noGrp="1"/>
-          </p:cNvSpPr>
-          <p:nvPr>
-            <p:ph type="title"/>
+          <p:cNvPr id="3" name="Content Placeholder 2"/>
+          <p:cNvSpPr>
+            <a:spLocks noGrp="1"/>
+          </p:cNvSpPr>
+          <p:nvPr>
+            <p:ph idx="1"/>
           </p:nvPr>
         </p:nvSpPr>
         <p:spPr/>
@@ -4473,11 +4641,14 @@
           <a:lstStyle/>
           <a:p>
             <a:pPr lvl="0" marL="0" indent="0">
+              <a:spcBef>
+                <a:spcPts val="3000"/>
+              </a:spcBef>
               <a:buNone/>
             </a:pPr>
             <a:r>
-              <a:rPr/>
-              <a:t>Dictionaries</a:t>
+              <a:rPr b="1"/>
+              <a:t>Exercise!</a:t>
             </a:r>
           </a:p>
         </p:txBody>
@@ -4506,12 +4677,12 @@
       </p:grpSpPr>
       <p:sp>
         <p:nvSpPr>
-          <p:cNvPr id="3" name="Content Placeholder 2"/>
-          <p:cNvSpPr>
-            <a:spLocks noGrp="1"/>
-          </p:cNvSpPr>
-          <p:nvPr>
-            <p:ph idx="1"/>
+          <p:cNvPr id="2" name="Title 1"/>
+          <p:cNvSpPr>
+            <a:spLocks noGrp="1"/>
+          </p:cNvSpPr>
+          <p:nvPr>
+            <p:ph type="title"/>
           </p:nvPr>
         </p:nvSpPr>
         <p:spPr/>
@@ -4520,43 +4691,11 @@
           <a:lstStyle/>
           <a:p>
             <a:pPr lvl="0" marL="0" indent="0">
-              <a:spcBef>
-                <a:spcPts val="3000"/>
-              </a:spcBef>
               <a:buNone/>
             </a:pPr>
             <a:r>
-              <a:rPr b="1"/>
-              <a:t>What are dictionaries?</a:t>
-            </a:r>
-          </a:p>
-          <a:p>
-            <a:pPr lvl="1"/>
-            <a:r>
-              <a:rPr/>
-              <a:t>Dictionaries are </a:t>
-            </a:r>
-            <a:r>
-              <a:rPr i="1"/>
-              <a:t>unordered</a:t>
-            </a:r>
-            <a:r>
-              <a:rPr/>
-              <a:t> collections of key/value pairs</a:t>
-            </a:r>
-          </a:p>
-          <a:p>
-            <a:pPr lvl="1"/>
-            <a:r>
-              <a:rPr/>
-              <a:t>They are what is referred to in other languages as an “associative array”</a:t>
-            </a:r>
-          </a:p>
-          <a:p>
-            <a:pPr lvl="1"/>
-            <a:r>
-              <a:rPr/>
-              <a:t>They are similar to a phone book or real-life dictionary, except that the keys are not sorted by default</a:t>
+              <a:rPr/>
+              <a:t>Dictionaries</a:t>
             </a:r>
           </a:p>
         </p:txBody>
@@ -4606,49 +4745,36 @@
             </a:pPr>
             <a:r>
               <a:rPr b="1"/>
-              <a:t>Creating dictionaries</a:t>
+              <a:t>What are dictionaries?</a:t>
             </a:r>
           </a:p>
           <a:p>
             <a:pPr lvl="1"/>
             <a:r>
               <a:rPr/>
-              <a:t>Create a dictionary with dict() or with curly braces (empty or not)</a:t>
-            </a:r>
-          </a:p>
-          <a:p>
-            <a:pPr lvl="2"/>
-            <a:r>
-              <a:rPr/>
-              <a:t>x = dict()</a:t>
-            </a:r>
-          </a:p>
-          <a:p>
-            <a:pPr lvl="2"/>
-            <a:r>
-              <a:rPr/>
-              <a:t>x = {}</a:t>
-            </a:r>
-          </a:p>
-          <a:p>
-            <a:pPr lvl="2"/>
-            <a:r>
-              <a:rPr/>
-              <a:t>x = {‘Bruce Banner’: ‘555-555-1234’, ‘Sue Storm’: ‘555-555-5678’}</a:t>
+              <a:t>Dictionaries are </a:t>
+            </a:r>
+            <a:r>
+              <a:rPr i="1"/>
+              <a:t>unordered</a:t>
+            </a:r>
+            <a:r>
+              <a:rPr/>
+              <a:t> collections of key/value pairs</a:t>
             </a:r>
           </a:p>
           <a:p>
             <a:pPr lvl="1"/>
             <a:r>
               <a:rPr/>
-              <a:t>Notice how the keys and values are delimited by a colon</a:t>
+              <a:t>They are what is referred to in other languages as an “associative array”</a:t>
             </a:r>
           </a:p>
           <a:p>
             <a:pPr lvl="1"/>
             <a:r>
               <a:rPr/>
-              <a:t>And how the key/value pairs are separated by commas</a:t>
+              <a:t>They are similar to a phone book or real-life dictionary, except that the keys are not sorted by default</a:t>
             </a:r>
           </a:p>
         </p:txBody>
@@ -4698,7 +4824,49 @@
             </a:pPr>
             <a:r>
               <a:rPr b="1"/>
-              <a:t>Accessing dictionaries</a:t>
+              <a:t>Creating dictionaries</a:t>
+            </a:r>
+          </a:p>
+          <a:p>
+            <a:pPr lvl="1"/>
+            <a:r>
+              <a:rPr/>
+              <a:t>Create a dictionary with dict() or with curly braces (empty or not)</a:t>
+            </a:r>
+          </a:p>
+          <a:p>
+            <a:pPr lvl="2"/>
+            <a:r>
+              <a:rPr/>
+              <a:t>x = dict()</a:t>
+            </a:r>
+          </a:p>
+          <a:p>
+            <a:pPr lvl="2"/>
+            <a:r>
+              <a:rPr/>
+              <a:t>x = {}</a:t>
+            </a:r>
+          </a:p>
+          <a:p>
+            <a:pPr lvl="2"/>
+            <a:r>
+              <a:rPr/>
+              <a:t>x = {‘Bruce Banner’: ‘555-555-1234’, ‘Sue Storm’: ‘555-555-5678’}</a:t>
+            </a:r>
+          </a:p>
+          <a:p>
+            <a:pPr lvl="1"/>
+            <a:r>
+              <a:rPr/>
+              <a:t>Notice how the keys and values are delimited by a colon</a:t>
+            </a:r>
+          </a:p>
+          <a:p>
+            <a:pPr lvl="1"/>
+            <a:r>
+              <a:rPr/>
+              <a:t>And how the key/value pairs are separated by commas</a:t>
             </a:r>
           </a:p>
         </p:txBody>
@@ -4748,7 +4916,7 @@
             </a:pPr>
             <a:r>
               <a:rPr b="1"/>
-              <a:t>“Modifying” dictionaries</a:t>
+              <a:t>Accessing dictionaries</a:t>
             </a:r>
           </a:p>
         </p:txBody>
@@ -4777,12 +4945,12 @@
       </p:grpSpPr>
       <p:sp>
         <p:nvSpPr>
-          <p:cNvPr id="2" name="Title 1"/>
-          <p:cNvSpPr>
-            <a:spLocks noGrp="1"/>
-          </p:cNvSpPr>
-          <p:nvPr>
-            <p:ph type="title"/>
+          <p:cNvPr id="3" name="Content Placeholder 2"/>
+          <p:cNvSpPr>
+            <a:spLocks noGrp="1"/>
+          </p:cNvSpPr>
+          <p:nvPr>
+            <p:ph idx="1"/>
           </p:nvPr>
         </p:nvSpPr>
         <p:spPr/>
@@ -4791,11 +4959,14 @@
           <a:lstStyle/>
           <a:p>
             <a:pPr lvl="0" marL="0" indent="0">
+              <a:spcBef>
+                <a:spcPts val="3000"/>
+              </a:spcBef>
               <a:buNone/>
             </a:pPr>
             <a:r>
-              <a:rPr/>
-              <a:t>Tuples</a:t>
+              <a:rPr b="1"/>
+              <a:t>“Modifying” dictionaries</a:t>
             </a:r>
           </a:p>
         </p:txBody>
@@ -4824,12 +4995,12 @@
       </p:grpSpPr>
       <p:sp>
         <p:nvSpPr>
-          <p:cNvPr id="3" name="Content Placeholder 2"/>
-          <p:cNvSpPr>
-            <a:spLocks noGrp="1"/>
-          </p:cNvSpPr>
-          <p:nvPr>
-            <p:ph idx="1"/>
+          <p:cNvPr id="2" name="Title 1"/>
+          <p:cNvSpPr>
+            <a:spLocks noGrp="1"/>
+          </p:cNvSpPr>
+          <p:nvPr>
+            <p:ph type="title"/>
           </p:nvPr>
         </p:nvSpPr>
         <p:spPr/>
@@ -4838,14 +5009,11 @@
           <a:lstStyle/>
           <a:p>
             <a:pPr lvl="0" marL="0" indent="0">
-              <a:spcBef>
-                <a:spcPts val="3000"/>
-              </a:spcBef>
               <a:buNone/>
             </a:pPr>
             <a:r>
-              <a:rPr b="1"/>
-              <a:t>What are tuples?</a:t>
+              <a:rPr/>
+              <a:t>Tuples</a:t>
             </a:r>
           </a:p>
         </p:txBody>
@@ -4895,7 +5063,7 @@
             </a:pPr>
             <a:r>
               <a:rPr b="1"/>
-              <a:t>Creating tuples</a:t>
+              <a:t>What are tuples?</a:t>
             </a:r>
           </a:p>
         </p:txBody>
@@ -4945,7 +5113,7 @@
             </a:pPr>
             <a:r>
               <a:rPr b="1"/>
-              <a:t>Accessing tuples</a:t>
+              <a:t>Creating tuples</a:t>
             </a:r>
           </a:p>
         </p:txBody>
@@ -4995,7 +5163,7 @@
             </a:pPr>
             <a:r>
               <a:rPr b="1"/>
-              <a:t>“Modifying” tuples</a:t>
+              <a:t>Accessing tuples</a:t>
             </a:r>
           </a:p>
         </p:txBody>
@@ -5070,6 +5238,56 @@
 </file>
 
 <file path=ppt/slides/slide30.xml><?xml version="1.0" encoding="utf-8"?>
+<p:sld xmlns:a="http://schemas.openxmlformats.org/drawingml/2006/main" xmlns:r="http://schemas.openxmlformats.org/officeDocument/2006/relationships" xmlns:p="http://schemas.openxmlformats.org/presentationml/2006/main">
+  <p:cSld>
+    <p:spTree>
+      <p:nvGrpSpPr>
+        <p:cNvPr id="1" name=""/>
+        <p:cNvGrpSpPr/>
+        <p:nvPr/>
+      </p:nvGrpSpPr>
+      <p:grpSpPr>
+        <a:xfrm>
+          <a:off x="0" y="0"/>
+          <a:ext cx="0" cy="0"/>
+          <a:chOff x="0" y="0"/>
+          <a:chExt cx="0" cy="0"/>
+        </a:xfrm>
+      </p:grpSpPr>
+      <p:sp>
+        <p:nvSpPr>
+          <p:cNvPr id="3" name="Content Placeholder 2"/>
+          <p:cNvSpPr>
+            <a:spLocks noGrp="1"/>
+          </p:cNvSpPr>
+          <p:nvPr>
+            <p:ph idx="1"/>
+          </p:nvPr>
+        </p:nvSpPr>
+        <p:spPr/>
+        <p:txBody>
+          <a:bodyPr/>
+          <a:lstStyle/>
+          <a:p>
+            <a:pPr lvl="0" marL="0" indent="0">
+              <a:spcBef>
+                <a:spcPts val="3000"/>
+              </a:spcBef>
+              <a:buNone/>
+            </a:pPr>
+            <a:r>
+              <a:rPr b="1"/>
+              <a:t>“Modifying” tuples</a:t>
+            </a:r>
+          </a:p>
+        </p:txBody>
+      </p:sp>
+    </p:spTree>
+  </p:cSld>
+</p:sld>
+</file>
+
+<file path=ppt/slides/slide31.xml><?xml version="1.0" encoding="utf-8"?>
 <p:sld xmlns:a="http://schemas.openxmlformats.org/drawingml/2006/main" xmlns:r="http://schemas.openxmlformats.org/officeDocument/2006/relationships" xmlns:p="http://schemas.openxmlformats.org/presentationml/2006/main">
   <p:cSld>
     <p:spTree>

--- a/modules/module03/slides.pptx
+++ b/modules/module03/slides.pptx
@@ -3371,7 +3371,7 @@
                 </a:solidFill>
                 <a:latin typeface="Courier"/>
               </a:rPr>
-              <a:t>0</a:t>
+              <a:t>12</a:t>
             </a:r>
             <a:r>
               <a:rPr sz="1800">
@@ -3386,7 +3386,7 @@
                 </a:solidFill>
                 <a:latin typeface="Courier"/>
               </a:rPr>
-              <a:t>7</a:t>
+              <a:t>17</a:t>
             </a:r>
             <a:r>
               <a:rPr sz="1800">
@@ -3394,50 +3394,14 @@
               </a:rPr>
               <a:t>]</a:t>
             </a:r>
-            <a:br/>
-            <a:r>
-              <a:rPr sz="1800">
-                <a:latin typeface="Courier"/>
-              </a:rPr>
-              <a:t>Another</a:t>
-            </a:r>
-            <a:br/>
-            <a:r>
-              <a:rPr sz="1800">
-                <a:solidFill>
-                  <a:srgbClr val="666666"/>
-                </a:solidFill>
-                <a:latin typeface="Courier"/>
-              </a:rPr>
-              <a:t>&gt;&gt;&gt;</a:t>
-            </a:r>
-            <a:r>
-              <a:rPr sz="1800">
-                <a:latin typeface="Courier"/>
-              </a:rPr>
-              <a:t> lyric[</a:t>
-            </a:r>
-            <a:r>
-              <a:rPr sz="1800">
-                <a:solidFill>
-                  <a:srgbClr val="40A070"/>
-                </a:solidFill>
-                <a:latin typeface="Courier"/>
-              </a:rPr>
-              <a:t>7</a:t>
-            </a:r>
-            <a:r>
-              <a:rPr sz="1800">
-                <a:latin typeface="Courier"/>
-              </a:rPr>
-              <a:t>:]</a:t>
-            </a:r>
-            <a:br/>
-            <a:r>
-              <a:rPr sz="1800">
-                <a:latin typeface="Courier"/>
-              </a:rPr>
-              <a:t> one bites the dust.</a:t>
+          </a:p>
+          <a:p>
+            <a:pPr lvl="0" marL="0" indent="0">
+              <a:buNone/>
+            </a:pPr>
+            <a:r>
+              <a:rPr b="1"/>
+              <a:t>bites</a:t>
             </a:r>
           </a:p>
         </p:txBody>
@@ -3611,21 +3575,14 @@
               </a:rPr>
               <a:t> print(x)</a:t>
             </a:r>
-            <a:br/>
-            <a:r>
-              <a:rPr sz="1800">
-                <a:latin typeface="Courier"/>
-              </a:rPr>
+          </a:p>
+          <a:p>
+            <a:pPr lvl="0" marL="0" indent="0">
+              <a:buNone/>
+            </a:pPr>
+            <a:r>
+              <a:rPr b="1"/>
               <a:t>HELLO</a:t>
-            </a:r>
-          </a:p>
-          <a:p>
-            <a:pPr lvl="0" marL="0" indent="0">
-              <a:buNone/>
-            </a:pPr>
-            <a:r>
-              <a:rPr/>
-              <a:t>“HELLO” is a new string, and the original “hello” has not changed (though it may no longer be reference by any variable).</a:t>
             </a:r>
           </a:p>
         </p:txBody>
@@ -4316,6 +4273,20 @@
               <a:t>    print(color)</a:t>
             </a:r>
           </a:p>
+          <a:p>
+            <a:pPr lvl="0" marL="1270000" indent="0">
+              <a:buNone/>
+            </a:pPr>
+            <a:r>
+              <a:rPr sz="1800">
+                <a:latin typeface="Courier"/>
+              </a:rPr>
+              <a:t>red
+green
+blue
+black</a:t>
+            </a:r>
+          </a:p>
         </p:txBody>
       </p:sp>
     </p:spTree>
@@ -4488,42 +4459,14 @@
               </a:rPr>
               <a:t>print(x)</a:t>
             </a:r>
-            <a:br/>
-            <a:r>
-              <a:rPr sz="1800">
-                <a:latin typeface="Courier"/>
-              </a:rPr>
-              <a:t>[</a:t>
-            </a:r>
-            <a:r>
-              <a:rPr sz="1800">
-                <a:solidFill>
-                  <a:srgbClr val="4070A0"/>
-                </a:solidFill>
-                <a:latin typeface="Courier"/>
-              </a:rPr>
-              <a:t>'hello'</a:t>
-            </a:r>
-            <a:r>
-              <a:rPr sz="1800">
-                <a:latin typeface="Courier"/>
-              </a:rPr>
-              <a:t>, </a:t>
-            </a:r>
-            <a:r>
-              <a:rPr sz="1800">
-                <a:solidFill>
-                  <a:srgbClr val="4070A0"/>
-                </a:solidFill>
-                <a:latin typeface="Courier"/>
-              </a:rPr>
-              <a:t>'universe'</a:t>
-            </a:r>
-            <a:r>
-              <a:rPr sz="1800">
-                <a:latin typeface="Courier"/>
-              </a:rPr>
-              <a:t>]</a:t>
+          </a:p>
+          <a:p>
+            <a:pPr lvl="0" marL="0" indent="0">
+              <a:buNone/>
+            </a:pPr>
+            <a:r>
+              <a:rPr b="1"/>
+              <a:t>[‘hello’, ‘universe’]</a:t>
             </a:r>
           </a:p>
         </p:txBody>
@@ -4580,7 +4523,7 @@
             <a:pPr lvl="1"/>
             <a:r>
               <a:rPr/>
-              <a:t>We have already introduced some of the basic building blocks of data (integers, floats, Booleans, strings)</a:t>
+              <a:t>We have already introduced some of the basic building blocks of data (integers, floats, booleans, strings)</a:t>
             </a:r>
           </a:p>
           <a:p>
@@ -5502,7 +5445,7 @@
               <a:rPr sz="1800">
                 <a:latin typeface="Courier"/>
               </a:rPr>
-              <a:t> foo </a:t>
+              <a:t> s </a:t>
             </a:r>
             <a:r>
               <a:rPr sz="1800">
@@ -5517,7 +5460,16 @@
               <a:rPr sz="1800">
                 <a:latin typeface="Courier"/>
               </a:rPr>
-              <a:t> list()</a:t>
+              <a:t> </a:t>
+            </a:r>
+            <a:r>
+              <a:rPr sz="1800">
+                <a:solidFill>
+                  <a:srgbClr val="4070A0"/>
+                </a:solidFill>
+                <a:latin typeface="Courier"/>
+              </a:rPr>
+              <a:t>"To be or not to be."</a:t>
             </a:r>
             <a:br/>
             <a:r>
@@ -5533,14 +5485,7 @@
               <a:rPr sz="1800">
                 <a:latin typeface="Courier"/>
               </a:rPr>
-              <a:t> type(foo)</a:t>
-            </a:r>
-            <a:br/>
-            <a:r>
-              <a:rPr sz="1800">
-                <a:latin typeface="Courier"/>
-              </a:rPr>
-              <a:t>...</a:t>
+              <a:t> type(s)</a:t>
             </a:r>
             <a:br/>
             <a:r>
@@ -5550,22 +5495,32 @@
                 </a:solidFill>
                 <a:latin typeface="Courier"/>
               </a:rPr>
-              <a:t>&gt;&gt;&gt;</a:t>
-            </a:r>
-            <a:r>
-              <a:rPr sz="1800">
-                <a:latin typeface="Courier"/>
-              </a:rPr>
-              <a:t> dir(foo)</a:t>
-            </a:r>
-            <a:br/>
-            <a:r>
-              <a:rPr sz="1800">
-                <a:latin typeface="Courier"/>
-              </a:rPr>
-              <a:t>...</a:t>
-            </a:r>
-            <a:br/>
+              <a:t>&lt;</a:t>
+            </a:r>
+            <a:r>
+              <a:rPr sz="1800" b="1">
+                <a:solidFill>
+                  <a:srgbClr val="007020"/>
+                </a:solidFill>
+                <a:latin typeface="Courier"/>
+              </a:rPr>
+              <a:t>class</a:t>
+            </a:r>
+            <a:r>
+              <a:rPr sz="1800">
+                <a:latin typeface="Courier"/>
+              </a:rPr>
+              <a:t> </a:t>
+            </a:r>
+            <a:r>
+              <a:rPr sz="1800">
+                <a:solidFill>
+                  <a:srgbClr val="4070A0"/>
+                </a:solidFill>
+                <a:latin typeface="Courier"/>
+              </a:rPr>
+              <a:t>'str'</a:t>
+            </a:r>
             <a:r>
               <a:rPr sz="1800">
                 <a:solidFill>
@@ -5573,20 +5528,53 @@
                 </a:solidFill>
                 <a:latin typeface="Courier"/>
               </a:rPr>
+              <a:t>&gt;</a:t>
+            </a:r>
+            <a:br/>
+            <a:r>
+              <a:rPr sz="1800">
+                <a:solidFill>
+                  <a:srgbClr val="666666"/>
+                </a:solidFill>
+                <a:latin typeface="Courier"/>
+              </a:rPr>
               <a:t>&gt;&gt;&gt;</a:t>
             </a:r>
             <a:r>
               <a:rPr sz="1800">
                 <a:latin typeface="Courier"/>
               </a:rPr>
-              <a:t> help(list)</a:t>
+              <a:t> help(s)</a:t>
             </a:r>
             <a:br/>
             <a:r>
               <a:rPr sz="1800">
                 <a:latin typeface="Courier"/>
               </a:rPr>
-              <a:t>... </a:t>
+              <a:t>...</a:t>
+            </a:r>
+            <a:br/>
+            <a:r>
+              <a:rPr sz="1800">
+                <a:solidFill>
+                  <a:srgbClr val="666666"/>
+                </a:solidFill>
+                <a:latin typeface="Courier"/>
+              </a:rPr>
+              <a:t>&gt;&gt;&gt;</a:t>
+            </a:r>
+            <a:r>
+              <a:rPr sz="1800">
+                <a:latin typeface="Courier"/>
+              </a:rPr>
+              <a:t> dir(s)</a:t>
+            </a:r>
+            <a:br/>
+            <a:r>
+              <a:rPr sz="1800">
+                <a:latin typeface="Courier"/>
+              </a:rPr>
+              <a:t>...</a:t>
             </a:r>
           </a:p>
         </p:txBody>
@@ -5793,6 +5781,41 @@
             </a:r>
           </a:p>
           <a:p>
+            <a:pPr lvl="0" marL="1270000" indent="0">
+              <a:buNone/>
+            </a:pPr>
+            <a:r>
+              <a:rPr sz="1800">
+                <a:latin typeface="Courier"/>
+              </a:rPr>
+              <a:t>s </a:t>
+            </a:r>
+            <a:r>
+              <a:rPr sz="1800">
+                <a:solidFill>
+                  <a:srgbClr val="666666"/>
+                </a:solidFill>
+                <a:latin typeface="Courier"/>
+              </a:rPr>
+              <a:t>=</a:t>
+            </a:r>
+            <a:r>
+              <a:rPr sz="1800">
+                <a:latin typeface="Courier"/>
+              </a:rPr>
+              <a:t> </a:t>
+            </a:r>
+            <a:r>
+              <a:rPr sz="1800">
+                <a:solidFill>
+                  <a:srgbClr val="4070A0"/>
+                </a:solidFill>
+                <a:latin typeface="Courier"/>
+              </a:rPr>
+              <a:t>"To be or not to be"</a:t>
+            </a:r>
+          </a:p>
+          <a:p>
             <a:pPr lvl="1"/>
             <a:r>
               <a:rPr/>
@@ -5948,7 +5971,7 @@
                 </a:solidFill>
                 <a:latin typeface="Courier"/>
               </a:rPr>
-              <a:t>'Hello'</a:t>
+              <a:t>'To be or not to be.'</a:t>
             </a:r>
             <a:br/>
             <a:r>
@@ -5973,7 +5996,7 @@
                 </a:solidFill>
                 <a:latin typeface="Courier"/>
               </a:rPr>
-              <a:t>0</a:t>
+              <a:t>3</a:t>
             </a:r>
             <a:r>
               <a:rPr sz="1800">
@@ -5981,12 +6004,14 @@
               </a:rPr>
               <a:t>]</a:t>
             </a:r>
-            <a:br/>
-            <a:r>
-              <a:rPr sz="1800">
-                <a:latin typeface="Courier"/>
-              </a:rPr>
-              <a:t>H</a:t>
+          </a:p>
+          <a:p>
+            <a:pPr lvl="0" marL="0" indent="0">
+              <a:buNone/>
+            </a:pPr>
+            <a:r>
+              <a:rPr b="1"/>
+              <a:t>b</a:t>
             </a:r>
           </a:p>
         </p:txBody>

--- a/modules/module03/slides.pptx
+++ b/modules/module03/slides.pptx
@@ -36,6 +36,10 @@
     <p:sldId id="284" r:id="rId30"/>
     <p:sldId id="285" r:id="rId31"/>
     <p:sldId id="286" r:id="rId32"/>
+    <p:sldId id="287" r:id="rId33"/>
+    <p:sldId id="288" r:id="rId34"/>
+    <p:sldId id="289" r:id="rId35"/>
+    <p:sldId id="290" r:id="rId36"/>
   </p:sldIdLst>
   <p:sldSz cx="9144000" cy="6858000" type="screen4x3"/>
   <p:notesSz cx="6858000" cy="9144000"/>
@@ -4570,12 +4574,12 @@
       </p:grpSpPr>
       <p:sp>
         <p:nvSpPr>
-          <p:cNvPr id="3" name="Content Placeholder 2"/>
-          <p:cNvSpPr>
-            <a:spLocks noGrp="1"/>
-          </p:cNvSpPr>
-          <p:nvPr>
-            <p:ph idx="1"/>
+          <p:cNvPr id="2" name="Title 1"/>
+          <p:cNvSpPr>
+            <a:spLocks noGrp="1"/>
+          </p:cNvSpPr>
+          <p:nvPr>
+            <p:ph type="title"/>
           </p:nvPr>
         </p:nvSpPr>
         <p:spPr/>
@@ -4584,13 +4588,10 @@
           <a:lstStyle/>
           <a:p>
             <a:pPr lvl="0" marL="0" indent="0">
-              <a:spcBef>
-                <a:spcPts val="3000"/>
-              </a:spcBef>
               <a:buNone/>
             </a:pPr>
             <a:r>
-              <a:rPr b="1"/>
+              <a:rPr/>
               <a:t>Exercise!</a:t>
             </a:r>
           </a:p>
@@ -4643,6 +4644,27 @@
           </a:p>
         </p:txBody>
       </p:sp>
+      <p:sp>
+        <p:nvSpPr>
+          <p:cNvPr id="3" name="Content Placeholder 2"/>
+          <p:cNvSpPr>
+            <a:spLocks noGrp="1"/>
+          </p:cNvSpPr>
+          <p:nvPr>
+            <p:ph idx="1"/>
+          </p:nvPr>
+        </p:nvSpPr>
+        <p:spPr/>
+        <p:txBody>
+          <a:bodyPr/>
+          <a:lstStyle/>
+          <a:p>
+            <a:pPr lvl="0" marL="0" indent="0">
+              <a:buNone/>
+            </a:pPr>
+          </a:p>
+        </p:txBody>
+      </p:sp>
     </p:spTree>
   </p:cSld>
 </p:sld>
@@ -4771,45 +4793,157 @@
             </a:r>
           </a:p>
           <a:p>
-            <a:pPr lvl="1"/>
-            <a:r>
-              <a:rPr/>
-              <a:t>Create a dictionary with dict() or with curly braces (empty or not)</a:t>
-            </a:r>
-          </a:p>
-          <a:p>
-            <a:pPr lvl="2"/>
-            <a:r>
-              <a:rPr/>
-              <a:t>x = dict()</a:t>
-            </a:r>
-          </a:p>
-          <a:p>
-            <a:pPr lvl="2"/>
-            <a:r>
-              <a:rPr/>
-              <a:t>x = {}</a:t>
-            </a:r>
-          </a:p>
-          <a:p>
-            <a:pPr lvl="2"/>
-            <a:r>
-              <a:rPr/>
-              <a:t>x = {‘Bruce Banner’: ‘555-555-1234’, ‘Sue Storm’: ‘555-555-5678’}</a:t>
-            </a:r>
-          </a:p>
-          <a:p>
-            <a:pPr lvl="1"/>
-            <a:r>
-              <a:rPr/>
-              <a:t>Notice how the keys and values are delimited by a colon</a:t>
-            </a:r>
-          </a:p>
-          <a:p>
-            <a:pPr lvl="1"/>
-            <a:r>
-              <a:rPr/>
-              <a:t>And how the key/value pairs are separated by commas</a:t>
+            <a:pPr lvl="0" marL="0" indent="0">
+              <a:buNone/>
+            </a:pPr>
+            <a:r>
+              <a:rPr/>
+              <a:t>Create a dictionary with dict() or with curly braces:</a:t>
+            </a:r>
+          </a:p>
+          <a:p>
+            <a:pPr lvl="0" marL="1270000" indent="0">
+              <a:buNone/>
+            </a:pPr>
+            <a:r>
+              <a:rPr sz="1800">
+                <a:latin typeface="Courier"/>
+              </a:rPr>
+              <a:t>my_dictionary </a:t>
+            </a:r>
+            <a:r>
+              <a:rPr sz="1800">
+                <a:solidFill>
+                  <a:srgbClr val="666666"/>
+                </a:solidFill>
+                <a:latin typeface="Courier"/>
+              </a:rPr>
+              <a:t>=</a:t>
+            </a:r>
+            <a:r>
+              <a:rPr sz="1800">
+                <a:latin typeface="Courier"/>
+              </a:rPr>
+              <a:t> dict()</a:t>
+            </a:r>
+            <a:br/>
+            <a:r>
+              <a:rPr sz="1800">
+                <a:latin typeface="Courier"/>
+              </a:rPr>
+              <a:t>my_dictionary </a:t>
+            </a:r>
+            <a:r>
+              <a:rPr sz="1800">
+                <a:solidFill>
+                  <a:srgbClr val="666666"/>
+                </a:solidFill>
+                <a:latin typeface="Courier"/>
+              </a:rPr>
+              <a:t>=</a:t>
+            </a:r>
+            <a:r>
+              <a:rPr sz="1800">
+                <a:latin typeface="Courier"/>
+              </a:rPr>
+              <a:t> {}</a:t>
+            </a:r>
+            <a:br/>
+            <a:r>
+              <a:rPr sz="1800">
+                <a:latin typeface="Courier"/>
+              </a:rPr>
+              <a:t>phone_book </a:t>
+            </a:r>
+            <a:r>
+              <a:rPr sz="1800">
+                <a:solidFill>
+                  <a:srgbClr val="666666"/>
+                </a:solidFill>
+                <a:latin typeface="Courier"/>
+              </a:rPr>
+              <a:t>=</a:t>
+            </a:r>
+            <a:r>
+              <a:rPr sz="1800">
+                <a:latin typeface="Courier"/>
+              </a:rPr>
+              <a:t> {</a:t>
+            </a:r>
+            <a:br/>
+            <a:r>
+              <a:rPr sz="1800">
+                <a:latin typeface="Courier"/>
+              </a:rPr>
+              <a:t>    </a:t>
+            </a:r>
+            <a:r>
+              <a:rPr sz="1800">
+                <a:solidFill>
+                  <a:srgbClr val="4070A0"/>
+                </a:solidFill>
+                <a:latin typeface="Courier"/>
+              </a:rPr>
+              <a:t>'Bruce Banner'</a:t>
+            </a:r>
+            <a:r>
+              <a:rPr sz="1800">
+                <a:latin typeface="Courier"/>
+              </a:rPr>
+              <a:t>: </a:t>
+            </a:r>
+            <a:r>
+              <a:rPr sz="1800">
+                <a:solidFill>
+                  <a:srgbClr val="4070A0"/>
+                </a:solidFill>
+                <a:latin typeface="Courier"/>
+              </a:rPr>
+              <a:t>'555-555-1234'</a:t>
+            </a:r>
+            <a:r>
+              <a:rPr sz="1800">
+                <a:latin typeface="Courier"/>
+              </a:rPr>
+              <a:t>,</a:t>
+            </a:r>
+            <a:br/>
+            <a:r>
+              <a:rPr sz="1800">
+                <a:latin typeface="Courier"/>
+              </a:rPr>
+              <a:t>    </a:t>
+            </a:r>
+            <a:r>
+              <a:rPr sz="1800">
+                <a:solidFill>
+                  <a:srgbClr val="4070A0"/>
+                </a:solidFill>
+                <a:latin typeface="Courier"/>
+              </a:rPr>
+              <a:t>'Sue Storm'</a:t>
+            </a:r>
+            <a:r>
+              <a:rPr sz="1800">
+                <a:latin typeface="Courier"/>
+              </a:rPr>
+              <a:t>: </a:t>
+            </a:r>
+            <a:r>
+              <a:rPr sz="1800">
+                <a:solidFill>
+                  <a:srgbClr val="4070A0"/>
+                </a:solidFill>
+                <a:latin typeface="Courier"/>
+              </a:rPr>
+              <a:t>'555-555-5678'</a:t>
+            </a:r>
+            <a:br/>
+            <a:r>
+              <a:rPr sz="1800">
+                <a:latin typeface="Courier"/>
+              </a:rPr>
+              <a:t>}</a:t>
             </a:r>
           </a:p>
         </p:txBody>
@@ -4862,6 +4996,145 @@
               <a:t>Accessing dictionaries</a:t>
             </a:r>
           </a:p>
+          <a:p>
+            <a:pPr lvl="1"/>
+            <a:r>
+              <a:rPr/>
+              <a:t>You can look up the values in a dictionary by referencing the key</a:t>
+            </a:r>
+          </a:p>
+          <a:p>
+            <a:pPr lvl="0" marL="1270000" indent="0">
+              <a:buNone/>
+            </a:pPr>
+            <a:r>
+              <a:rPr sz="1800">
+                <a:latin typeface="Courier"/>
+              </a:rPr>
+              <a:t>phone_book </a:t>
+            </a:r>
+            <a:r>
+              <a:rPr sz="1800">
+                <a:solidFill>
+                  <a:srgbClr val="666666"/>
+                </a:solidFill>
+                <a:latin typeface="Courier"/>
+              </a:rPr>
+              <a:t>=</a:t>
+            </a:r>
+            <a:r>
+              <a:rPr sz="1800">
+                <a:latin typeface="Courier"/>
+              </a:rPr>
+              <a:t> {</a:t>
+            </a:r>
+            <a:br/>
+            <a:r>
+              <a:rPr sz="1800">
+                <a:latin typeface="Courier"/>
+              </a:rPr>
+              <a:t>    </a:t>
+            </a:r>
+            <a:r>
+              <a:rPr sz="1800">
+                <a:solidFill>
+                  <a:srgbClr val="4070A0"/>
+                </a:solidFill>
+                <a:latin typeface="Courier"/>
+              </a:rPr>
+              <a:t>'Bruce Banner'</a:t>
+            </a:r>
+            <a:r>
+              <a:rPr sz="1800">
+                <a:latin typeface="Courier"/>
+              </a:rPr>
+              <a:t>: </a:t>
+            </a:r>
+            <a:r>
+              <a:rPr sz="1800">
+                <a:solidFill>
+                  <a:srgbClr val="4070A0"/>
+                </a:solidFill>
+                <a:latin typeface="Courier"/>
+              </a:rPr>
+              <a:t>'555-555-1234'</a:t>
+            </a:r>
+            <a:r>
+              <a:rPr sz="1800">
+                <a:latin typeface="Courier"/>
+              </a:rPr>
+              <a:t>,</a:t>
+            </a:r>
+            <a:br/>
+            <a:r>
+              <a:rPr sz="1800">
+                <a:latin typeface="Courier"/>
+              </a:rPr>
+              <a:t>    </a:t>
+            </a:r>
+            <a:r>
+              <a:rPr sz="1800">
+                <a:solidFill>
+                  <a:srgbClr val="4070A0"/>
+                </a:solidFill>
+                <a:latin typeface="Courier"/>
+              </a:rPr>
+              <a:t>'Sue Storm'</a:t>
+            </a:r>
+            <a:r>
+              <a:rPr sz="1800">
+                <a:latin typeface="Courier"/>
+              </a:rPr>
+              <a:t>: </a:t>
+            </a:r>
+            <a:r>
+              <a:rPr sz="1800">
+                <a:solidFill>
+                  <a:srgbClr val="4070A0"/>
+                </a:solidFill>
+                <a:latin typeface="Courier"/>
+              </a:rPr>
+              <a:t>'555-555-5678'</a:t>
+            </a:r>
+            <a:br/>
+            <a:r>
+              <a:rPr sz="1800">
+                <a:latin typeface="Courier"/>
+              </a:rPr>
+              <a:t>}</a:t>
+            </a:r>
+            <a:br/>
+            <a:r>
+              <a:rPr sz="1800">
+                <a:latin typeface="Courier"/>
+              </a:rPr>
+              <a:t>print(phone_book[</a:t>
+            </a:r>
+            <a:r>
+              <a:rPr sz="1800">
+                <a:solidFill>
+                  <a:srgbClr val="4070A0"/>
+                </a:solidFill>
+                <a:latin typeface="Courier"/>
+              </a:rPr>
+              <a:t>'Bruce Banner'</a:t>
+            </a:r>
+            <a:r>
+              <a:rPr sz="1800">
+                <a:latin typeface="Courier"/>
+              </a:rPr>
+              <a:t>])</a:t>
+            </a:r>
+          </a:p>
+          <a:p>
+            <a:pPr lvl="0" marL="0" indent="0">
+              <a:buNone/>
+            </a:pPr>
+            <a:r>
+              <a:rPr b="1"/>
+              <a:t>555-555-1234</a:t>
+            </a:r>
+          </a:p>
         </p:txBody>
       </p:sp>
     </p:spTree>
@@ -4909,7 +5182,177 @@
             </a:pPr>
             <a:r>
               <a:rPr b="1"/>
-              <a:t>“Modifying” dictionaries</a:t>
+              <a:t>Accessing dictionaries (more)</a:t>
+            </a:r>
+          </a:p>
+          <a:p>
+            <a:pPr lvl="0" marL="0" indent="0">
+              <a:buNone/>
+            </a:pPr>
+            <a:r>
+              <a:rPr/>
+              <a:t>You can access the keys of a dictionary with the </a:t>
+            </a:r>
+            <a:r>
+              <a:rPr b="1"/>
+              <a:t>keys()</a:t>
+            </a:r>
+            <a:r>
+              <a:rPr/>
+              <a:t> method:</a:t>
+            </a:r>
+          </a:p>
+          <a:p>
+            <a:pPr lvl="0" marL="1270000" indent="0">
+              <a:buNone/>
+            </a:pPr>
+            <a:r>
+              <a:rPr sz="1800">
+                <a:latin typeface="Courier"/>
+              </a:rPr>
+              <a:t>phone_book </a:t>
+            </a:r>
+            <a:r>
+              <a:rPr sz="1800">
+                <a:solidFill>
+                  <a:srgbClr val="666666"/>
+                </a:solidFill>
+                <a:latin typeface="Courier"/>
+              </a:rPr>
+              <a:t>=</a:t>
+            </a:r>
+            <a:r>
+              <a:rPr sz="1800">
+                <a:latin typeface="Courier"/>
+              </a:rPr>
+              <a:t> {</a:t>
+            </a:r>
+            <a:br/>
+            <a:r>
+              <a:rPr sz="1800">
+                <a:latin typeface="Courier"/>
+              </a:rPr>
+              <a:t>    </a:t>
+            </a:r>
+            <a:r>
+              <a:rPr sz="1800">
+                <a:solidFill>
+                  <a:srgbClr val="4070A0"/>
+                </a:solidFill>
+                <a:latin typeface="Courier"/>
+              </a:rPr>
+              <a:t>'Bruce Banner'</a:t>
+            </a:r>
+            <a:r>
+              <a:rPr sz="1800">
+                <a:latin typeface="Courier"/>
+              </a:rPr>
+              <a:t>: </a:t>
+            </a:r>
+            <a:r>
+              <a:rPr sz="1800">
+                <a:solidFill>
+                  <a:srgbClr val="4070A0"/>
+                </a:solidFill>
+                <a:latin typeface="Courier"/>
+              </a:rPr>
+              <a:t>'555-555-1234'</a:t>
+            </a:r>
+            <a:r>
+              <a:rPr sz="1800">
+                <a:latin typeface="Courier"/>
+              </a:rPr>
+              <a:t>,</a:t>
+            </a:r>
+            <a:br/>
+            <a:r>
+              <a:rPr sz="1800">
+                <a:latin typeface="Courier"/>
+              </a:rPr>
+              <a:t>    </a:t>
+            </a:r>
+            <a:r>
+              <a:rPr sz="1800">
+                <a:solidFill>
+                  <a:srgbClr val="4070A0"/>
+                </a:solidFill>
+                <a:latin typeface="Courier"/>
+              </a:rPr>
+              <a:t>'Sue Storm'</a:t>
+            </a:r>
+            <a:r>
+              <a:rPr sz="1800">
+                <a:latin typeface="Courier"/>
+              </a:rPr>
+              <a:t>: </a:t>
+            </a:r>
+            <a:r>
+              <a:rPr sz="1800">
+                <a:solidFill>
+                  <a:srgbClr val="4070A0"/>
+                </a:solidFill>
+                <a:latin typeface="Courier"/>
+              </a:rPr>
+              <a:t>'555-555-5678'</a:t>
+            </a:r>
+            <a:br/>
+            <a:r>
+              <a:rPr sz="1800">
+                <a:latin typeface="Courier"/>
+              </a:rPr>
+              <a:t>}</a:t>
+            </a:r>
+            <a:br/>
+            <a:r>
+              <a:rPr sz="1800" b="1">
+                <a:solidFill>
+                  <a:srgbClr val="007020"/>
+                </a:solidFill>
+                <a:latin typeface="Courier"/>
+              </a:rPr>
+              <a:t>for</a:t>
+            </a:r>
+            <a:r>
+              <a:rPr sz="1800">
+                <a:latin typeface="Courier"/>
+              </a:rPr>
+              <a:t> k </a:t>
+            </a:r>
+            <a:r>
+              <a:rPr sz="1800" b="1">
+                <a:solidFill>
+                  <a:srgbClr val="007020"/>
+                </a:solidFill>
+                <a:latin typeface="Courier"/>
+              </a:rPr>
+              <a:t>in</a:t>
+            </a:r>
+            <a:r>
+              <a:rPr sz="1800">
+                <a:latin typeface="Courier"/>
+              </a:rPr>
+              <a:t> phone_book.keys():</a:t>
+            </a:r>
+            <a:br/>
+            <a:r>
+              <a:rPr sz="1800">
+                <a:latin typeface="Courier"/>
+              </a:rPr>
+              <a:t>    print(k)</a:t>
+            </a:r>
+          </a:p>
+          <a:p>
+            <a:pPr lvl="0" marL="0" indent="0">
+              <a:buNone/>
+            </a:pPr>
+            <a:r>
+              <a:rPr b="1"/>
+              <a:t>Bruce Banner</a:t>
+            </a:r>
+            <a:br/>
+            <a:r>
+              <a:rPr b="1"/>
+              <a:t>Sue Storm</a:t>
             </a:r>
           </a:p>
         </p:txBody>
@@ -4938,12 +5381,12 @@
       </p:grpSpPr>
       <p:sp>
         <p:nvSpPr>
-          <p:cNvPr id="2" name="Title 1"/>
-          <p:cNvSpPr>
-            <a:spLocks noGrp="1"/>
-          </p:cNvSpPr>
-          <p:nvPr>
-            <p:ph type="title"/>
+          <p:cNvPr id="3" name="Content Placeholder 2"/>
+          <p:cNvSpPr>
+            <a:spLocks noGrp="1"/>
+          </p:cNvSpPr>
+          <p:nvPr>
+            <p:ph idx="1"/>
           </p:nvPr>
         </p:nvSpPr>
         <p:spPr/>
@@ -4956,7 +5399,168 @@
             </a:pPr>
             <a:r>
               <a:rPr/>
-              <a:t>Tuples</a:t>
+              <a:t>You can access the values of a dictionary with the </a:t>
+            </a:r>
+            <a:r>
+              <a:rPr b="1"/>
+              <a:t>values()</a:t>
+            </a:r>
+            <a:r>
+              <a:rPr/>
+              <a:t> method:</a:t>
+            </a:r>
+          </a:p>
+          <a:p>
+            <a:pPr lvl="0" marL="1270000" indent="0">
+              <a:buNone/>
+            </a:pPr>
+            <a:r>
+              <a:rPr sz="1800">
+                <a:latin typeface="Courier"/>
+              </a:rPr>
+              <a:t>phone_book </a:t>
+            </a:r>
+            <a:r>
+              <a:rPr sz="1800">
+                <a:solidFill>
+                  <a:srgbClr val="666666"/>
+                </a:solidFill>
+                <a:latin typeface="Courier"/>
+              </a:rPr>
+              <a:t>=</a:t>
+            </a:r>
+            <a:r>
+              <a:rPr sz="1800">
+                <a:latin typeface="Courier"/>
+              </a:rPr>
+              <a:t> {</a:t>
+            </a:r>
+            <a:br/>
+            <a:r>
+              <a:rPr sz="1800">
+                <a:latin typeface="Courier"/>
+              </a:rPr>
+              <a:t>    </a:t>
+            </a:r>
+            <a:r>
+              <a:rPr sz="1800">
+                <a:solidFill>
+                  <a:srgbClr val="4070A0"/>
+                </a:solidFill>
+                <a:latin typeface="Courier"/>
+              </a:rPr>
+              <a:t>'Bruce Banner'</a:t>
+            </a:r>
+            <a:r>
+              <a:rPr sz="1800">
+                <a:latin typeface="Courier"/>
+              </a:rPr>
+              <a:t>: </a:t>
+            </a:r>
+            <a:r>
+              <a:rPr sz="1800">
+                <a:solidFill>
+                  <a:srgbClr val="4070A0"/>
+                </a:solidFill>
+                <a:latin typeface="Courier"/>
+              </a:rPr>
+              <a:t>'555-555-1234'</a:t>
+            </a:r>
+            <a:r>
+              <a:rPr sz="1800">
+                <a:latin typeface="Courier"/>
+              </a:rPr>
+              <a:t>,</a:t>
+            </a:r>
+            <a:br/>
+            <a:r>
+              <a:rPr sz="1800">
+                <a:latin typeface="Courier"/>
+              </a:rPr>
+              <a:t>    </a:t>
+            </a:r>
+            <a:r>
+              <a:rPr sz="1800">
+                <a:solidFill>
+                  <a:srgbClr val="4070A0"/>
+                </a:solidFill>
+                <a:latin typeface="Courier"/>
+              </a:rPr>
+              <a:t>'Sue Storm'</a:t>
+            </a:r>
+            <a:r>
+              <a:rPr sz="1800">
+                <a:latin typeface="Courier"/>
+              </a:rPr>
+              <a:t>: </a:t>
+            </a:r>
+            <a:r>
+              <a:rPr sz="1800">
+                <a:solidFill>
+                  <a:srgbClr val="4070A0"/>
+                </a:solidFill>
+                <a:latin typeface="Courier"/>
+              </a:rPr>
+              <a:t>'555-555-5678'</a:t>
+            </a:r>
+            <a:br/>
+            <a:r>
+              <a:rPr sz="1800">
+                <a:latin typeface="Courier"/>
+              </a:rPr>
+              <a:t>}</a:t>
+            </a:r>
+            <a:br/>
+            <a:r>
+              <a:rPr sz="1800" b="1">
+                <a:solidFill>
+                  <a:srgbClr val="007020"/>
+                </a:solidFill>
+                <a:latin typeface="Courier"/>
+              </a:rPr>
+              <a:t>for</a:t>
+            </a:r>
+            <a:r>
+              <a:rPr sz="1800">
+                <a:latin typeface="Courier"/>
+              </a:rPr>
+              <a:t> val </a:t>
+            </a:r>
+            <a:r>
+              <a:rPr sz="1800" b="1">
+                <a:solidFill>
+                  <a:srgbClr val="007020"/>
+                </a:solidFill>
+                <a:latin typeface="Courier"/>
+              </a:rPr>
+              <a:t>in</a:t>
+            </a:r>
+            <a:r>
+              <a:rPr sz="1800">
+                <a:latin typeface="Courier"/>
+              </a:rPr>
+              <a:t> phone_book.values():</a:t>
+            </a:r>
+            <a:br/>
+            <a:r>
+              <a:rPr sz="1800">
+                <a:latin typeface="Courier"/>
+              </a:rPr>
+              <a:t>    print(val)</a:t>
+            </a:r>
+          </a:p>
+          <a:p>
+            <a:pPr lvl="0" marL="0" indent="0">
+              <a:buNone/>
+            </a:pPr>
+            <a:r>
+              <a:rPr b="1"/>
+              <a:t>555-555-1234</a:t>
+            </a:r>
+            <a:br/>
+            <a:r>
+              <a:rPr b="1"/>
+              <a:t>555-555-5678</a:t>
             </a:r>
           </a:p>
         </p:txBody>
@@ -4999,14 +5603,172 @@
           <a:lstStyle/>
           <a:p>
             <a:pPr lvl="0" marL="0" indent="0">
-              <a:spcBef>
-                <a:spcPts val="3000"/>
-              </a:spcBef>
               <a:buNone/>
             </a:pPr>
             <a:r>
+              <a:rPr/>
+              <a:t>Or, you can access all the key/value pairs with the </a:t>
+            </a:r>
+            <a:r>
               <a:rPr b="1"/>
-              <a:t>What are tuples?</a:t>
+              <a:t>items()</a:t>
+            </a:r>
+            <a:r>
+              <a:rPr/>
+              <a:t> method</a:t>
+            </a:r>
+          </a:p>
+          <a:p>
+            <a:pPr lvl="0" marL="1270000" indent="0">
+              <a:buNone/>
+            </a:pPr>
+            <a:r>
+              <a:rPr sz="1800">
+                <a:latin typeface="Courier"/>
+              </a:rPr>
+              <a:t>phone_book </a:t>
+            </a:r>
+            <a:r>
+              <a:rPr sz="1800">
+                <a:solidFill>
+                  <a:srgbClr val="666666"/>
+                </a:solidFill>
+                <a:latin typeface="Courier"/>
+              </a:rPr>
+              <a:t>=</a:t>
+            </a:r>
+            <a:r>
+              <a:rPr sz="1800">
+                <a:latin typeface="Courier"/>
+              </a:rPr>
+              <a:t> {</a:t>
+            </a:r>
+            <a:br/>
+            <a:r>
+              <a:rPr sz="1800">
+                <a:latin typeface="Courier"/>
+              </a:rPr>
+              <a:t>    </a:t>
+            </a:r>
+            <a:r>
+              <a:rPr sz="1800">
+                <a:solidFill>
+                  <a:srgbClr val="4070A0"/>
+                </a:solidFill>
+                <a:latin typeface="Courier"/>
+              </a:rPr>
+              <a:t>'Bruce Banner'</a:t>
+            </a:r>
+            <a:r>
+              <a:rPr sz="1800">
+                <a:latin typeface="Courier"/>
+              </a:rPr>
+              <a:t>: </a:t>
+            </a:r>
+            <a:r>
+              <a:rPr sz="1800">
+                <a:solidFill>
+                  <a:srgbClr val="4070A0"/>
+                </a:solidFill>
+                <a:latin typeface="Courier"/>
+              </a:rPr>
+              <a:t>'555-555-1234'</a:t>
+            </a:r>
+            <a:r>
+              <a:rPr sz="1800">
+                <a:latin typeface="Courier"/>
+              </a:rPr>
+              <a:t>,</a:t>
+            </a:r>
+            <a:br/>
+            <a:r>
+              <a:rPr sz="1800">
+                <a:latin typeface="Courier"/>
+              </a:rPr>
+              <a:t>    </a:t>
+            </a:r>
+            <a:r>
+              <a:rPr sz="1800">
+                <a:solidFill>
+                  <a:srgbClr val="4070A0"/>
+                </a:solidFill>
+                <a:latin typeface="Courier"/>
+              </a:rPr>
+              <a:t>'Sue Storm'</a:t>
+            </a:r>
+            <a:r>
+              <a:rPr sz="1800">
+                <a:latin typeface="Courier"/>
+              </a:rPr>
+              <a:t>: </a:t>
+            </a:r>
+            <a:r>
+              <a:rPr sz="1800">
+                <a:solidFill>
+                  <a:srgbClr val="4070A0"/>
+                </a:solidFill>
+                <a:latin typeface="Courier"/>
+              </a:rPr>
+              <a:t>'555-555-5678'</a:t>
+            </a:r>
+            <a:br/>
+            <a:r>
+              <a:rPr sz="1800">
+                <a:latin typeface="Courier"/>
+              </a:rPr>
+              <a:t>}</a:t>
+            </a:r>
+            <a:br/>
+            <a:r>
+              <a:rPr sz="1800" b="1">
+                <a:solidFill>
+                  <a:srgbClr val="007020"/>
+                </a:solidFill>
+                <a:latin typeface="Courier"/>
+              </a:rPr>
+              <a:t>for</a:t>
+            </a:r>
+            <a:r>
+              <a:rPr sz="1800">
+                <a:latin typeface="Courier"/>
+              </a:rPr>
+              <a:t> key, val </a:t>
+            </a:r>
+            <a:r>
+              <a:rPr sz="1800" b="1">
+                <a:solidFill>
+                  <a:srgbClr val="007020"/>
+                </a:solidFill>
+                <a:latin typeface="Courier"/>
+              </a:rPr>
+              <a:t>in</a:t>
+            </a:r>
+            <a:r>
+              <a:rPr sz="1800">
+                <a:latin typeface="Courier"/>
+              </a:rPr>
+              <a:t> phone_book.values():</a:t>
+            </a:r>
+            <a:br/>
+            <a:r>
+              <a:rPr sz="1800">
+                <a:latin typeface="Courier"/>
+              </a:rPr>
+              <a:t>    print(key, val)</a:t>
+            </a:r>
+          </a:p>
+          <a:p>
+            <a:pPr lvl="0" marL="0" indent="0">
+              <a:buNone/>
+            </a:pPr>
+            <a:r>
+              <a:rPr b="1"/>
+              <a:t>Bruce Banner 555-555-1234</a:t>
+            </a:r>
+            <a:br/>
+            <a:r>
+              <a:rPr b="1"/>
+              <a:t>Sue Storm 555-555-5678</a:t>
             </a:r>
           </a:p>
         </p:txBody>
@@ -5056,7 +5818,78 @@
             </a:pPr>
             <a:r>
               <a:rPr b="1"/>
-              <a:t>Creating tuples</a:t>
+              <a:t>Modifying dictionaries</a:t>
+            </a:r>
+          </a:p>
+          <a:p>
+            <a:pPr lvl="1"/>
+            <a:r>
+              <a:rPr/>
+              <a:t>The keys of a dictionary can be assigned to different values directly</a:t>
+            </a:r>
+          </a:p>
+          <a:p>
+            <a:pPr lvl="0" marL="1270000" indent="0">
+              <a:buNone/>
+            </a:pPr>
+            <a:r>
+              <a:rPr sz="1800">
+                <a:latin typeface="Courier"/>
+              </a:rPr>
+              <a:t>phone_book[</a:t>
+            </a:r>
+            <a:r>
+              <a:rPr sz="1800">
+                <a:solidFill>
+                  <a:srgbClr val="4070A0"/>
+                </a:solidFill>
+                <a:latin typeface="Courier"/>
+              </a:rPr>
+              <a:t>'Bruce Banner'</a:t>
+            </a:r>
+            <a:r>
+              <a:rPr sz="1800">
+                <a:latin typeface="Courier"/>
+              </a:rPr>
+              <a:t>] </a:t>
+            </a:r>
+            <a:r>
+              <a:rPr sz="1800">
+                <a:solidFill>
+                  <a:srgbClr val="666666"/>
+                </a:solidFill>
+                <a:latin typeface="Courier"/>
+              </a:rPr>
+              <a:t>=</a:t>
+            </a:r>
+            <a:r>
+              <a:rPr sz="1800">
+                <a:latin typeface="Courier"/>
+              </a:rPr>
+              <a:t> </a:t>
+            </a:r>
+            <a:r>
+              <a:rPr sz="1800">
+                <a:solidFill>
+                  <a:srgbClr val="4070A0"/>
+                </a:solidFill>
+                <a:latin typeface="Courier"/>
+              </a:rPr>
+              <a:t>"555-555-9876"</a:t>
+            </a:r>
+          </a:p>
+          <a:p>
+            <a:pPr lvl="1"/>
+            <a:r>
+              <a:rPr/>
+              <a:t>If the key does not exist, a new key/value pair will be added</a:t>
+            </a:r>
+          </a:p>
+          <a:p>
+            <a:pPr lvl="1"/>
+            <a:r>
+              <a:rPr/>
+              <a:t>Note that each key of a given dictionary must be unique</a:t>
             </a:r>
           </a:p>
         </p:txBody>
@@ -5106,7 +5939,147 @@
             </a:pPr>
             <a:r>
               <a:rPr b="1"/>
-              <a:t>Accessing tuples</a:t>
+              <a:t>Deleting from a dictionary</a:t>
+            </a:r>
+          </a:p>
+          <a:p>
+            <a:pPr lvl="0" marL="0" indent="0">
+              <a:buNone/>
+            </a:pPr>
+            <a:r>
+              <a:rPr/>
+              <a:t>You can remove a key/value pair from a dictionary by using the </a:t>
+            </a:r>
+            <a:r>
+              <a:rPr b="1"/>
+              <a:t>pop</a:t>
+            </a:r>
+            <a:r>
+              <a:rPr/>
+              <a:t> method:</a:t>
+            </a:r>
+          </a:p>
+          <a:p>
+            <a:pPr lvl="0" marL="1270000" indent="0">
+              <a:buNone/>
+            </a:pPr>
+            <a:r>
+              <a:rPr sz="1800">
+                <a:latin typeface="Courier"/>
+              </a:rPr>
+              <a:t>phone_book </a:t>
+            </a:r>
+            <a:r>
+              <a:rPr sz="1800">
+                <a:solidFill>
+                  <a:srgbClr val="666666"/>
+                </a:solidFill>
+                <a:latin typeface="Courier"/>
+              </a:rPr>
+              <a:t>=</a:t>
+            </a:r>
+            <a:r>
+              <a:rPr sz="1800">
+                <a:latin typeface="Courier"/>
+              </a:rPr>
+              <a:t> {</a:t>
+            </a:r>
+            <a:br/>
+            <a:r>
+              <a:rPr sz="1800">
+                <a:latin typeface="Courier"/>
+              </a:rPr>
+              <a:t>    </a:t>
+            </a:r>
+            <a:r>
+              <a:rPr sz="1800">
+                <a:solidFill>
+                  <a:srgbClr val="4070A0"/>
+                </a:solidFill>
+                <a:latin typeface="Courier"/>
+              </a:rPr>
+              <a:t>'Bruce Banner'</a:t>
+            </a:r>
+            <a:r>
+              <a:rPr sz="1800">
+                <a:latin typeface="Courier"/>
+              </a:rPr>
+              <a:t>: </a:t>
+            </a:r>
+            <a:r>
+              <a:rPr sz="1800">
+                <a:solidFill>
+                  <a:srgbClr val="4070A0"/>
+                </a:solidFill>
+                <a:latin typeface="Courier"/>
+              </a:rPr>
+              <a:t>'555-555-1234'</a:t>
+            </a:r>
+            <a:r>
+              <a:rPr sz="1800">
+                <a:latin typeface="Courier"/>
+              </a:rPr>
+              <a:t>,</a:t>
+            </a:r>
+            <a:br/>
+            <a:r>
+              <a:rPr sz="1800">
+                <a:latin typeface="Courier"/>
+              </a:rPr>
+              <a:t>    </a:t>
+            </a:r>
+            <a:r>
+              <a:rPr sz="1800">
+                <a:solidFill>
+                  <a:srgbClr val="4070A0"/>
+                </a:solidFill>
+                <a:latin typeface="Courier"/>
+              </a:rPr>
+              <a:t>'Sue Storm'</a:t>
+            </a:r>
+            <a:r>
+              <a:rPr sz="1800">
+                <a:latin typeface="Courier"/>
+              </a:rPr>
+              <a:t>: </a:t>
+            </a:r>
+            <a:r>
+              <a:rPr sz="1800">
+                <a:solidFill>
+                  <a:srgbClr val="4070A0"/>
+                </a:solidFill>
+                <a:latin typeface="Courier"/>
+              </a:rPr>
+              <a:t>'555-555-5678'</a:t>
+            </a:r>
+            <a:br/>
+            <a:r>
+              <a:rPr sz="1800">
+                <a:latin typeface="Courier"/>
+              </a:rPr>
+              <a:t>}</a:t>
+            </a:r>
+            <a:br/>
+            <a:r>
+              <a:rPr sz="1800">
+                <a:latin typeface="Courier"/>
+              </a:rPr>
+              <a:t>phone_book.pop(</a:t>
+            </a:r>
+            <a:r>
+              <a:rPr sz="1800">
+                <a:solidFill>
+                  <a:srgbClr val="4070A0"/>
+                </a:solidFill>
+                <a:latin typeface="Courier"/>
+              </a:rPr>
+              <a:t>'Bruce Banner'</a:t>
+            </a:r>
+            <a:r>
+              <a:rPr sz="1800">
+                <a:latin typeface="Courier"/>
+              </a:rPr>
+              <a:t>)</a:t>
             </a:r>
           </a:p>
         </p:txBody>
@@ -5199,12 +6172,12 @@
       </p:grpSpPr>
       <p:sp>
         <p:nvSpPr>
-          <p:cNvPr id="3" name="Content Placeholder 2"/>
-          <p:cNvSpPr>
-            <a:spLocks noGrp="1"/>
-          </p:cNvSpPr>
-          <p:nvPr>
-            <p:ph idx="1"/>
+          <p:cNvPr id="2" name="Title 1"/>
+          <p:cNvSpPr>
+            <a:spLocks noGrp="1"/>
+          </p:cNvSpPr>
+          <p:nvPr>
+            <p:ph type="title"/>
           </p:nvPr>
         </p:nvSpPr>
         <p:spPr/>
@@ -5213,14 +6186,11 @@
           <a:lstStyle/>
           <a:p>
             <a:pPr lvl="0" marL="0" indent="0">
-              <a:spcBef>
-                <a:spcPts val="3000"/>
-              </a:spcBef>
               <a:buNone/>
             </a:pPr>
             <a:r>
-              <a:rPr b="1"/>
-              <a:t>“Modifying” tuples</a:t>
+              <a:rPr/>
+              <a:t>Tuples</a:t>
             </a:r>
           </a:p>
         </p:txBody>
@@ -5249,6 +6219,332 @@
       </p:grpSpPr>
       <p:sp>
         <p:nvSpPr>
+          <p:cNvPr id="3" name="Content Placeholder 2"/>
+          <p:cNvSpPr>
+            <a:spLocks noGrp="1"/>
+          </p:cNvSpPr>
+          <p:nvPr>
+            <p:ph idx="1"/>
+          </p:nvPr>
+        </p:nvSpPr>
+        <p:spPr/>
+        <p:txBody>
+          <a:bodyPr/>
+          <a:lstStyle/>
+          <a:p>
+            <a:pPr lvl="0" marL="0" indent="0">
+              <a:spcBef>
+                <a:spcPts val="3000"/>
+              </a:spcBef>
+              <a:buNone/>
+            </a:pPr>
+            <a:r>
+              <a:rPr b="1"/>
+              <a:t>What are tuples?</a:t>
+            </a:r>
+          </a:p>
+          <a:p>
+            <a:pPr lvl="1"/>
+            <a:r>
+              <a:rPr/>
+              <a:t>Tuples are ordered, immutable sequences of other objects</a:t>
+            </a:r>
+          </a:p>
+          <a:p>
+            <a:pPr lvl="1"/>
+            <a:r>
+              <a:rPr/>
+              <a:t>You will hear tuple pronounced both “too-pull” and “tuh-pull”</a:t>
+            </a:r>
+          </a:p>
+          <a:p>
+            <a:pPr lvl="1"/>
+            <a:r>
+              <a:rPr/>
+              <a:t>Contrary to how the name sounds, tuples can have any number of elements (not just two!)</a:t>
+            </a:r>
+          </a:p>
+        </p:txBody>
+      </p:sp>
+    </p:spTree>
+  </p:cSld>
+</p:sld>
+</file>
+
+<file path=ppt/slides/slide32.xml><?xml version="1.0" encoding="utf-8"?>
+<p:sld xmlns:a="http://schemas.openxmlformats.org/drawingml/2006/main" xmlns:r="http://schemas.openxmlformats.org/officeDocument/2006/relationships" xmlns:p="http://schemas.openxmlformats.org/presentationml/2006/main">
+  <p:cSld>
+    <p:spTree>
+      <p:nvGrpSpPr>
+        <p:cNvPr id="1" name=""/>
+        <p:cNvGrpSpPr/>
+        <p:nvPr/>
+      </p:nvGrpSpPr>
+      <p:grpSpPr>
+        <a:xfrm>
+          <a:off x="0" y="0"/>
+          <a:ext cx="0" cy="0"/>
+          <a:chOff x="0" y="0"/>
+          <a:chExt cx="0" cy="0"/>
+        </a:xfrm>
+      </p:grpSpPr>
+      <p:sp>
+        <p:nvSpPr>
+          <p:cNvPr id="3" name="Content Placeholder 2"/>
+          <p:cNvSpPr>
+            <a:spLocks noGrp="1"/>
+          </p:cNvSpPr>
+          <p:nvPr>
+            <p:ph idx="1"/>
+          </p:nvPr>
+        </p:nvSpPr>
+        <p:spPr/>
+        <p:txBody>
+          <a:bodyPr/>
+          <a:lstStyle/>
+          <a:p>
+            <a:pPr lvl="0" marL="0" indent="0">
+              <a:spcBef>
+                <a:spcPts val="3000"/>
+              </a:spcBef>
+              <a:buNone/>
+            </a:pPr>
+            <a:r>
+              <a:rPr b="1"/>
+              <a:t>Creating tuples</a:t>
+            </a:r>
+          </a:p>
+          <a:p>
+            <a:pPr lvl="1"/>
+            <a:r>
+              <a:rPr/>
+              <a:t>Tuples can be created with tuple()</a:t>
+            </a:r>
+          </a:p>
+          <a:p>
+            <a:pPr lvl="1"/>
+            <a:r>
+              <a:rPr/>
+              <a:t>Tuples are also often created with parentheses</a:t>
+            </a:r>
+          </a:p>
+          <a:p>
+            <a:pPr lvl="2"/>
+            <a:r>
+              <a:rPr/>
+              <a:t>x = (‘foo’, ‘bar’)</a:t>
+            </a:r>
+          </a:p>
+          <a:p>
+            <a:pPr lvl="1"/>
+            <a:r>
+              <a:rPr/>
+              <a:t>But in fact, the comma is what allows python to recognize the tuple</a:t>
+            </a:r>
+          </a:p>
+        </p:txBody>
+      </p:sp>
+    </p:spTree>
+  </p:cSld>
+</p:sld>
+</file>
+
+<file path=ppt/slides/slide33.xml><?xml version="1.0" encoding="utf-8"?>
+<p:sld xmlns:a="http://schemas.openxmlformats.org/drawingml/2006/main" xmlns:r="http://schemas.openxmlformats.org/officeDocument/2006/relationships" xmlns:p="http://schemas.openxmlformats.org/presentationml/2006/main">
+  <p:cSld>
+    <p:spTree>
+      <p:nvGrpSpPr>
+        <p:cNvPr id="1" name=""/>
+        <p:cNvGrpSpPr/>
+        <p:nvPr/>
+      </p:nvGrpSpPr>
+      <p:grpSpPr>
+        <a:xfrm>
+          <a:off x="0" y="0"/>
+          <a:ext cx="0" cy="0"/>
+          <a:chOff x="0" y="0"/>
+          <a:chExt cx="0" cy="0"/>
+        </a:xfrm>
+      </p:grpSpPr>
+      <p:sp>
+        <p:nvSpPr>
+          <p:cNvPr id="3" name="Content Placeholder 2"/>
+          <p:cNvSpPr>
+            <a:spLocks noGrp="1"/>
+          </p:cNvSpPr>
+          <p:nvPr>
+            <p:ph idx="1"/>
+          </p:nvPr>
+        </p:nvSpPr>
+        <p:spPr/>
+        <p:txBody>
+          <a:bodyPr/>
+          <a:lstStyle/>
+          <a:p>
+            <a:pPr lvl="0" marL="0" indent="0">
+              <a:spcBef>
+                <a:spcPts val="3000"/>
+              </a:spcBef>
+              <a:buNone/>
+            </a:pPr>
+            <a:r>
+              <a:rPr b="1"/>
+              <a:t>Accessing tuples</a:t>
+            </a:r>
+          </a:p>
+          <a:p>
+            <a:pPr lvl="1"/>
+            <a:r>
+              <a:rPr/>
+              <a:t>Similar to lists, the items in a tuple are accessed by index position</a:t>
+            </a:r>
+          </a:p>
+          <a:p>
+            <a:pPr lvl="1"/>
+            <a:r>
+              <a:rPr/>
+              <a:t>A common pattern is to assign the elements of tuples in a single line</a:t>
+            </a:r>
+          </a:p>
+          <a:p>
+            <a:pPr lvl="1"/>
+            <a:r>
+              <a:rPr/>
+              <a:t>For example, the .values() method of dictionaries returns key/value pairs as a tuple:</a:t>
+            </a:r>
+          </a:p>
+          <a:p>
+            <a:pPr lvl="0" marL="1270000" indent="0">
+              <a:buNone/>
+            </a:pPr>
+            <a:r>
+              <a:rPr sz="1800" b="1">
+                <a:solidFill>
+                  <a:srgbClr val="007020"/>
+                </a:solidFill>
+                <a:latin typeface="Courier"/>
+              </a:rPr>
+              <a:t>for</a:t>
+            </a:r>
+            <a:r>
+              <a:rPr sz="1800">
+                <a:latin typeface="Courier"/>
+              </a:rPr>
+              <a:t> name, number </a:t>
+            </a:r>
+            <a:r>
+              <a:rPr sz="1800" b="1">
+                <a:solidFill>
+                  <a:srgbClr val="007020"/>
+                </a:solidFill>
+                <a:latin typeface="Courier"/>
+              </a:rPr>
+              <a:t>in</a:t>
+            </a:r>
+            <a:r>
+              <a:rPr sz="1800">
+                <a:latin typeface="Courier"/>
+              </a:rPr>
+              <a:t> phone_book.items():</a:t>
+            </a:r>
+            <a:br/>
+            <a:r>
+              <a:rPr sz="1800">
+                <a:latin typeface="Courier"/>
+              </a:rPr>
+              <a:t>    print(name, number)</a:t>
+            </a:r>
+          </a:p>
+        </p:txBody>
+      </p:sp>
+    </p:spTree>
+  </p:cSld>
+</p:sld>
+</file>
+
+<file path=ppt/slides/slide34.xml><?xml version="1.0" encoding="utf-8"?>
+<p:sld xmlns:a="http://schemas.openxmlformats.org/drawingml/2006/main" xmlns:r="http://schemas.openxmlformats.org/officeDocument/2006/relationships" xmlns:p="http://schemas.openxmlformats.org/presentationml/2006/main">
+  <p:cSld>
+    <p:spTree>
+      <p:nvGrpSpPr>
+        <p:cNvPr id="1" name=""/>
+        <p:cNvGrpSpPr/>
+        <p:nvPr/>
+      </p:nvGrpSpPr>
+      <p:grpSpPr>
+        <a:xfrm>
+          <a:off x="0" y="0"/>
+          <a:ext cx="0" cy="0"/>
+          <a:chOff x="0" y="0"/>
+          <a:chExt cx="0" cy="0"/>
+        </a:xfrm>
+      </p:grpSpPr>
+      <p:sp>
+        <p:nvSpPr>
+          <p:cNvPr id="3" name="Content Placeholder 2"/>
+          <p:cNvSpPr>
+            <a:spLocks noGrp="1"/>
+          </p:cNvSpPr>
+          <p:nvPr>
+            <p:ph idx="1"/>
+          </p:nvPr>
+        </p:nvSpPr>
+        <p:spPr/>
+        <p:txBody>
+          <a:bodyPr/>
+          <a:lstStyle/>
+          <a:p>
+            <a:pPr lvl="0" marL="0" indent="0">
+              <a:spcBef>
+                <a:spcPts val="3000"/>
+              </a:spcBef>
+              <a:buNone/>
+            </a:pPr>
+            <a:r>
+              <a:rPr b="1"/>
+              <a:t>“Modifying” tuples</a:t>
+            </a:r>
+          </a:p>
+          <a:p>
+            <a:pPr lvl="1"/>
+            <a:r>
+              <a:rPr/>
+              <a:t>Like strings, tuples are immutable</a:t>
+            </a:r>
+          </a:p>
+          <a:p>
+            <a:pPr lvl="1"/>
+            <a:r>
+              <a:rPr/>
+              <a:t>If you try to reassign a value inside a tuple, Python will raise a type error</a:t>
+            </a:r>
+          </a:p>
+        </p:txBody>
+      </p:sp>
+    </p:spTree>
+  </p:cSld>
+</p:sld>
+</file>
+
+<file path=ppt/slides/slide35.xml><?xml version="1.0" encoding="utf-8"?>
+<p:sld xmlns:a="http://schemas.openxmlformats.org/drawingml/2006/main" xmlns:r="http://schemas.openxmlformats.org/officeDocument/2006/relationships" xmlns:p="http://schemas.openxmlformats.org/presentationml/2006/main">
+  <p:cSld>
+    <p:spTree>
+      <p:nvGrpSpPr>
+        <p:cNvPr id="1" name=""/>
+        <p:cNvGrpSpPr/>
+        <p:nvPr/>
+      </p:nvGrpSpPr>
+      <p:grpSpPr>
+        <a:xfrm>
+          <a:off x="0" y="0"/>
+          <a:ext cx="0" cy="0"/>
+          <a:chOff x="0" y="0"/>
+          <a:chExt cx="0" cy="0"/>
+        </a:xfrm>
+      </p:grpSpPr>
+      <p:sp>
+        <p:nvSpPr>
           <p:cNvPr id="2" name="Title 1"/>
           <p:cNvSpPr>
             <a:spLocks noGrp="1"/>
@@ -5267,7 +6563,7 @@
             </a:pPr>
             <a:r>
               <a:rPr/>
-              <a:t>Questions?</a:t>
+              <a:t>Exercise!</a:t>
             </a:r>
           </a:p>
         </p:txBody>
@@ -5650,6 +6946,47 @@
       </p:grpSpPr>
       <p:sp>
         <p:nvSpPr>
+          <p:cNvPr id="2" name="Title 1"/>
+          <p:cNvSpPr>
+            <a:spLocks noGrp="1"/>
+          </p:cNvSpPr>
+          <p:nvPr>
+            <p:ph type="title"/>
+          </p:nvPr>
+        </p:nvSpPr>
+        <p:spPr/>
+        <p:txBody>
+          <a:bodyPr/>
+          <a:lstStyle/>
+          <a:p>
+            <a:pPr lvl="0" marL="0" indent="0">
+              <a:buNone/>
+            </a:pPr>
+            <a:r>
+              <a:rPr/>
+              <a:t>What</a:t>
+            </a:r>
+            <a:r>
+              <a:rPr/>
+              <a:t> </a:t>
+            </a:r>
+            <a:r>
+              <a:rPr/>
+              <a:t>are</a:t>
+            </a:r>
+            <a:r>
+              <a:rPr/>
+              <a:t> </a:t>
+            </a:r>
+            <a:r>
+              <a:rPr/>
+              <a:t>strings?</a:t>
+            </a:r>
+          </a:p>
+        </p:txBody>
+      </p:sp>
+      <p:sp>
+        <p:nvSpPr>
           <p:cNvPr id="3" name="Content Placeholder 2"/>
           <p:cNvSpPr>
             <a:spLocks noGrp="1"/>
@@ -5662,18 +6999,6 @@
         <p:txBody>
           <a:bodyPr/>
           <a:lstStyle/>
-          <a:p>
-            <a:pPr lvl="0" marL="0" indent="0">
-              <a:spcBef>
-                <a:spcPts val="3000"/>
-              </a:spcBef>
-              <a:buNone/>
-            </a:pPr>
-            <a:r>
-              <a:rPr b="1"/>
-              <a:t>What are strings?</a:t>
-            </a:r>
-          </a:p>
           <a:p>
             <a:pPr lvl="1"/>
             <a:r>

--- a/modules/module03/slides.pptx
+++ b/modules/module03/slides.pptx
@@ -5191,7 +5191,7 @@
             </a:pPr>
             <a:r>
               <a:rPr/>
-              <a:t>You can access the keys of a dictionary with the </a:t>
+              <a:t>Access the keys of a dictionary with the </a:t>
             </a:r>
             <a:r>
               <a:rPr b="1"/>
@@ -5399,7 +5399,7 @@
             </a:pPr>
             <a:r>
               <a:rPr/>
-              <a:t>You can access the values of a dictionary with the </a:t>
+              <a:t>Access the values of a dictionary with the </a:t>
             </a:r>
             <a:r>
               <a:rPr b="1"/>
@@ -5607,7 +5607,7 @@
             </a:pPr>
             <a:r>
               <a:rPr/>
-              <a:t>Or, you can access all the key/value pairs with the </a:t>
+              <a:t>Access the key/value pairs with the </a:t>
             </a:r>
             <a:r>
               <a:rPr b="1"/>
@@ -5615,7 +5615,7 @@
             </a:r>
             <a:r>
               <a:rPr/>
-              <a:t> method</a:t>
+              <a:t> method:</a:t>
             </a:r>
           </a:p>
           <a:p>

--- a/modules/module03/slides.pptx
+++ b/modules/module03/slides.pptx
@@ -40,6 +40,7 @@
     <p:sldId id="288" r:id="rId34"/>
     <p:sldId id="289" r:id="rId35"/>
     <p:sldId id="290" r:id="rId36"/>
+    <p:sldId id="291" r:id="rId37"/>
   </p:sldIdLst>
   <p:sldSz cx="9144000" cy="6858000" type="screen4x3"/>
   <p:notesSz cx="6858000" cy="9144000"/>
@@ -5175,18 +5176,6 @@
           <a:lstStyle/>
           <a:p>
             <a:pPr lvl="0" marL="0" indent="0">
-              <a:spcBef>
-                <a:spcPts val="3000"/>
-              </a:spcBef>
-              <a:buNone/>
-            </a:pPr>
-            <a:r>
-              <a:rPr b="1"/>
-              <a:t>Accessing dictionaries (more)</a:t>
-            </a:r>
-          </a:p>
-          <a:p>
-            <a:pPr lvl="0" marL="0" indent="0">
               <a:buNone/>
             </a:pPr>
             <a:r>
@@ -6172,12 +6161,12 @@
       </p:grpSpPr>
       <p:sp>
         <p:nvSpPr>
-          <p:cNvPr id="2" name="Title 1"/>
-          <p:cNvSpPr>
-            <a:spLocks noGrp="1"/>
-          </p:cNvSpPr>
-          <p:nvPr>
-            <p:ph type="title"/>
+          <p:cNvPr id="3" name="Content Placeholder 2"/>
+          <p:cNvSpPr>
+            <a:spLocks noGrp="1"/>
+          </p:cNvSpPr>
+          <p:nvPr>
+            <p:ph idx="1"/>
           </p:nvPr>
         </p:nvSpPr>
         <p:spPr/>
@@ -6185,12 +6174,373 @@
           <a:bodyPr/>
           <a:lstStyle/>
           <a:p>
+            <a:pPr lvl="0" marL="1270000" indent="0">
+              <a:buNone/>
+            </a:pPr>
+            <a:r>
+              <a:rPr sz="1800">
+                <a:latin typeface="Courier"/>
+              </a:rPr>
+              <a:t>energy </a:t>
+            </a:r>
+            <a:r>
+              <a:rPr sz="1800">
+                <a:solidFill>
+                  <a:srgbClr val="666666"/>
+                </a:solidFill>
+                <a:latin typeface="Courier"/>
+              </a:rPr>
+              <a:t>=</a:t>
+            </a:r>
+            <a:r>
+              <a:rPr sz="1800">
+                <a:latin typeface="Courier"/>
+              </a:rPr>
+              <a:t> {</a:t>
+            </a:r>
+            <a:br/>
+            <a:r>
+              <a:rPr sz="1800">
+                <a:latin typeface="Courier"/>
+              </a:rPr>
+              <a:t>  </a:t>
+            </a:r>
+            <a:r>
+              <a:rPr sz="1800">
+                <a:solidFill>
+                  <a:srgbClr val="4070A0"/>
+                </a:solidFill>
+                <a:latin typeface="Courier"/>
+              </a:rPr>
+              <a:t>"Colorado"</a:t>
+            </a:r>
+            <a:r>
+              <a:rPr sz="1800">
+                <a:latin typeface="Courier"/>
+              </a:rPr>
+              <a:t>: {</a:t>
+            </a:r>
+            <a:br/>
+            <a:r>
+              <a:rPr sz="1800">
+                <a:latin typeface="Courier"/>
+              </a:rPr>
+              <a:t>    </a:t>
+            </a:r>
+            <a:r>
+              <a:rPr sz="1800">
+                <a:solidFill>
+                  <a:srgbClr val="4070A0"/>
+                </a:solidFill>
+                <a:latin typeface="Courier"/>
+              </a:rPr>
+              <a:t>"solar"</a:t>
+            </a:r>
+            <a:r>
+              <a:rPr sz="1800">
+                <a:latin typeface="Courier"/>
+              </a:rPr>
+              <a:t>: </a:t>
+            </a:r>
+            <a:r>
+              <a:rPr sz="1800">
+                <a:solidFill>
+                  <a:srgbClr val="40A070"/>
+                </a:solidFill>
+                <a:latin typeface="Courier"/>
+              </a:rPr>
+              <a:t>16530.477</a:t>
+            </a:r>
+            <a:r>
+              <a:rPr sz="1800">
+                <a:latin typeface="Courier"/>
+              </a:rPr>
+              <a:t>,</a:t>
+            </a:r>
+            <a:br/>
+            <a:r>
+              <a:rPr sz="1800">
+                <a:latin typeface="Courier"/>
+              </a:rPr>
+              <a:t>    </a:t>
+            </a:r>
+            <a:r>
+              <a:rPr sz="1800">
+                <a:solidFill>
+                  <a:srgbClr val="4070A0"/>
+                </a:solidFill>
+                <a:latin typeface="Courier"/>
+              </a:rPr>
+              <a:t>"wind"</a:t>
+            </a:r>
+            <a:r>
+              <a:rPr sz="1800">
+                <a:latin typeface="Courier"/>
+              </a:rPr>
+              <a:t>: </a:t>
+            </a:r>
+            <a:r>
+              <a:rPr sz="1800">
+                <a:solidFill>
+                  <a:srgbClr val="40A070"/>
+                </a:solidFill>
+                <a:latin typeface="Courier"/>
+              </a:rPr>
+              <a:t>2942132.635</a:t>
+            </a:r>
+            <a:br/>
+            <a:r>
+              <a:rPr sz="1800">
+                <a:latin typeface="Courier"/>
+              </a:rPr>
+              <a:t>  },</a:t>
+            </a:r>
+            <a:br/>
+            <a:r>
+              <a:rPr sz="1800">
+                <a:latin typeface="Courier"/>
+              </a:rPr>
+              <a:t>  </a:t>
+            </a:r>
+            <a:r>
+              <a:rPr sz="1800">
+                <a:solidFill>
+                  <a:srgbClr val="4070A0"/>
+                </a:solidFill>
+                <a:latin typeface="Courier"/>
+              </a:rPr>
+              <a:t>"New Jersey"</a:t>
+            </a:r>
+            <a:r>
+              <a:rPr sz="1800">
+                <a:latin typeface="Courier"/>
+              </a:rPr>
+              <a:t>: {</a:t>
+            </a:r>
+            <a:br/>
+            <a:r>
+              <a:rPr sz="1800">
+                <a:latin typeface="Courier"/>
+              </a:rPr>
+              <a:t>    </a:t>
+            </a:r>
+            <a:r>
+              <a:rPr sz="1800">
+                <a:solidFill>
+                  <a:srgbClr val="4070A0"/>
+                </a:solidFill>
+                <a:latin typeface="Courier"/>
+              </a:rPr>
+              <a:t>"solar"</a:t>
+            </a:r>
+            <a:r>
+              <a:rPr sz="1800">
+                <a:latin typeface="Courier"/>
+              </a:rPr>
+              <a:t>: </a:t>
+            </a:r>
+            <a:r>
+              <a:rPr sz="1800">
+                <a:solidFill>
+                  <a:srgbClr val="40A070"/>
+                </a:solidFill>
+                <a:latin typeface="Courier"/>
+              </a:rPr>
+              <a:t>2437.768</a:t>
+            </a:r>
+            <a:r>
+              <a:rPr sz="1800">
+                <a:latin typeface="Courier"/>
+              </a:rPr>
+              <a:t>,</a:t>
+            </a:r>
+            <a:br/>
+            <a:r>
+              <a:rPr sz="1800">
+                <a:latin typeface="Courier"/>
+              </a:rPr>
+              <a:t>    </a:t>
+            </a:r>
+            <a:r>
+              <a:rPr sz="1800">
+                <a:solidFill>
+                  <a:srgbClr val="4070A0"/>
+                </a:solidFill>
+                <a:latin typeface="Courier"/>
+              </a:rPr>
+              <a:t>"wind"</a:t>
+            </a:r>
+            <a:r>
+              <a:rPr sz="1800">
+                <a:latin typeface="Courier"/>
+              </a:rPr>
+              <a:t>: </a:t>
+            </a:r>
+            <a:r>
+              <a:rPr sz="1800">
+                <a:solidFill>
+                  <a:srgbClr val="40A070"/>
+                </a:solidFill>
+                <a:latin typeface="Courier"/>
+              </a:rPr>
+              <a:t>19149.957</a:t>
+            </a:r>
+            <a:br/>
+            <a:r>
+              <a:rPr sz="1800">
+                <a:latin typeface="Courier"/>
+              </a:rPr>
+              <a:t>  },</a:t>
+            </a:r>
+            <a:br/>
+            <a:r>
+              <a:rPr sz="1800">
+                <a:latin typeface="Courier"/>
+              </a:rPr>
+              <a:t>  </a:t>
+            </a:r>
+            <a:r>
+              <a:rPr sz="1800">
+                <a:solidFill>
+                  <a:srgbClr val="4070A0"/>
+                </a:solidFill>
+                <a:latin typeface="Courier"/>
+              </a:rPr>
+              <a:t>"Washington"</a:t>
+            </a:r>
+            <a:r>
+              <a:rPr sz="1800">
+                <a:latin typeface="Courier"/>
+              </a:rPr>
+              <a:t>: {</a:t>
+            </a:r>
+            <a:br/>
+            <a:r>
+              <a:rPr sz="1800">
+                <a:latin typeface="Courier"/>
+              </a:rPr>
+              <a:t>    </a:t>
+            </a:r>
+            <a:r>
+              <a:rPr sz="1800">
+                <a:solidFill>
+                  <a:srgbClr val="4070A0"/>
+                </a:solidFill>
+                <a:latin typeface="Courier"/>
+              </a:rPr>
+              <a:t>"solar"</a:t>
+            </a:r>
+            <a:r>
+              <a:rPr sz="1800">
+                <a:latin typeface="Courier"/>
+              </a:rPr>
+              <a:t>: </a:t>
+            </a:r>
+            <a:r>
+              <a:rPr sz="1800">
+                <a:solidFill>
+                  <a:srgbClr val="40A070"/>
+                </a:solidFill>
+                <a:latin typeface="Courier"/>
+              </a:rPr>
+              <a:t>0.0</a:t>
+            </a:r>
+            <a:r>
+              <a:rPr sz="1800">
+                <a:latin typeface="Courier"/>
+              </a:rPr>
+              <a:t>,</a:t>
+            </a:r>
+            <a:br/>
+            <a:r>
+              <a:rPr sz="1800">
+                <a:latin typeface="Courier"/>
+              </a:rPr>
+              <a:t>    </a:t>
+            </a:r>
+            <a:r>
+              <a:rPr sz="1800">
+                <a:solidFill>
+                  <a:srgbClr val="4070A0"/>
+                </a:solidFill>
+                <a:latin typeface="Courier"/>
+              </a:rPr>
+              <a:t>"wind"</a:t>
+            </a:r>
+            <a:r>
+              <a:rPr sz="1800">
+                <a:latin typeface="Courier"/>
+              </a:rPr>
+              <a:t>: </a:t>
+            </a:r>
+            <a:r>
+              <a:rPr sz="1800">
+                <a:solidFill>
+                  <a:srgbClr val="40A070"/>
+                </a:solidFill>
+                <a:latin typeface="Courier"/>
+              </a:rPr>
+              <a:t>3538935.954</a:t>
+            </a:r>
+            <a:br/>
+            <a:r>
+              <a:rPr sz="1800">
+                <a:latin typeface="Courier"/>
+              </a:rPr>
+              <a:t>  }</a:t>
+            </a:r>
+            <a:br/>
+            <a:r>
+              <a:rPr sz="1800">
+                <a:latin typeface="Courier"/>
+              </a:rPr>
+              <a:t>}</a:t>
+            </a:r>
+            <a:br/>
+            <a:r>
+              <a:rPr sz="1800">
+                <a:latin typeface="Courier"/>
+              </a:rPr>
+              <a:t>print(energy[</a:t>
+            </a:r>
+            <a:r>
+              <a:rPr sz="1800">
+                <a:solidFill>
+                  <a:srgbClr val="4070A0"/>
+                </a:solidFill>
+                <a:latin typeface="Courier"/>
+              </a:rPr>
+              <a:t>'Washington'</a:t>
+            </a:r>
+            <a:r>
+              <a:rPr sz="1800">
+                <a:latin typeface="Courier"/>
+              </a:rPr>
+              <a:t>][</a:t>
+            </a:r>
+            <a:r>
+              <a:rPr sz="1800">
+                <a:solidFill>
+                  <a:srgbClr val="4070A0"/>
+                </a:solidFill>
+                <a:latin typeface="Courier"/>
+              </a:rPr>
+              <a:t>'wind'</a:t>
+            </a:r>
+            <a:r>
+              <a:rPr sz="1800">
+                <a:latin typeface="Courier"/>
+              </a:rPr>
+              <a:t>])</a:t>
+            </a:r>
+          </a:p>
+          <a:p>
             <a:pPr lvl="0" marL="0" indent="0">
               <a:buNone/>
             </a:pPr>
             <a:r>
-              <a:rPr/>
-              <a:t>Tuples</a:t>
+              <a:rPr b="1"/>
+              <a:t>3538935.954</a:t>
             </a:r>
           </a:p>
         </p:txBody>
@@ -6219,12 +6569,12 @@
       </p:grpSpPr>
       <p:sp>
         <p:nvSpPr>
-          <p:cNvPr id="3" name="Content Placeholder 2"/>
-          <p:cNvSpPr>
-            <a:spLocks noGrp="1"/>
-          </p:cNvSpPr>
-          <p:nvPr>
-            <p:ph idx="1"/>
+          <p:cNvPr id="2" name="Title 1"/>
+          <p:cNvSpPr>
+            <a:spLocks noGrp="1"/>
+          </p:cNvSpPr>
+          <p:nvPr>
+            <p:ph type="title"/>
           </p:nvPr>
         </p:nvSpPr>
         <p:spPr/>
@@ -6233,35 +6583,11 @@
           <a:lstStyle/>
           <a:p>
             <a:pPr lvl="0" marL="0" indent="0">
-              <a:spcBef>
-                <a:spcPts val="3000"/>
-              </a:spcBef>
               <a:buNone/>
             </a:pPr>
             <a:r>
-              <a:rPr b="1"/>
-              <a:t>What are tuples?</a:t>
-            </a:r>
-          </a:p>
-          <a:p>
-            <a:pPr lvl="1"/>
-            <a:r>
-              <a:rPr/>
-              <a:t>Tuples are ordered, immutable sequences of other objects</a:t>
-            </a:r>
-          </a:p>
-          <a:p>
-            <a:pPr lvl="1"/>
-            <a:r>
-              <a:rPr/>
-              <a:t>You will hear tuple pronounced both “too-pull” and “tuh-pull”</a:t>
-            </a:r>
-          </a:p>
-          <a:p>
-            <a:pPr lvl="1"/>
-            <a:r>
-              <a:rPr/>
-              <a:t>Contrary to how the name sounds, tuples can have any number of elements (not just two!)</a:t>
+              <a:rPr/>
+              <a:t>Tuples</a:t>
             </a:r>
           </a:p>
         </p:txBody>
@@ -6311,35 +6637,28 @@
             </a:pPr>
             <a:r>
               <a:rPr b="1"/>
-              <a:t>Creating tuples</a:t>
+              <a:t>What are tuples?</a:t>
             </a:r>
           </a:p>
           <a:p>
             <a:pPr lvl="1"/>
             <a:r>
               <a:rPr/>
-              <a:t>Tuples can be created with tuple()</a:t>
+              <a:t>Tuples are ordered, immutable sequences of other objects</a:t>
             </a:r>
           </a:p>
           <a:p>
             <a:pPr lvl="1"/>
             <a:r>
               <a:rPr/>
-              <a:t>Tuples are also often created with parentheses</a:t>
-            </a:r>
-          </a:p>
-          <a:p>
-            <a:pPr lvl="2"/>
-            <a:r>
-              <a:rPr/>
-              <a:t>x = (‘foo’, ‘bar’)</a:t>
+              <a:t>You will hear tuple pronounced both “too-pull” and “tuh-pull”</a:t>
             </a:r>
           </a:p>
           <a:p>
             <a:pPr lvl="1"/>
             <a:r>
               <a:rPr/>
-              <a:t>But in fact, the comma is what allows python to recognize the tuple</a:t>
+              <a:t>Contrary to how the name sounds, tuples can have any number of elements (not just two!)</a:t>
             </a:r>
           </a:p>
         </p:txBody>
@@ -6389,70 +6708,35 @@
             </a:pPr>
             <a:r>
               <a:rPr b="1"/>
-              <a:t>Accessing tuples</a:t>
+              <a:t>Creating tuples</a:t>
             </a:r>
           </a:p>
           <a:p>
             <a:pPr lvl="1"/>
             <a:r>
               <a:rPr/>
-              <a:t>Similar to lists, the items in a tuple are accessed by index position</a:t>
+              <a:t>Tuples can be created with tuple()</a:t>
             </a:r>
           </a:p>
           <a:p>
             <a:pPr lvl="1"/>
             <a:r>
               <a:rPr/>
-              <a:t>A common pattern is to assign the elements of tuples in a single line</a:t>
+              <a:t>Tuples are also often created with parentheses</a:t>
+            </a:r>
+          </a:p>
+          <a:p>
+            <a:pPr lvl="2"/>
+            <a:r>
+              <a:rPr/>
+              <a:t>x = (‘foo’, ‘bar’)</a:t>
             </a:r>
           </a:p>
           <a:p>
             <a:pPr lvl="1"/>
             <a:r>
               <a:rPr/>
-              <a:t>For example, the .values() method of dictionaries returns key/value pairs as a tuple:</a:t>
-            </a:r>
-          </a:p>
-          <a:p>
-            <a:pPr lvl="0" marL="1270000" indent="0">
-              <a:buNone/>
-            </a:pPr>
-            <a:r>
-              <a:rPr sz="1800" b="1">
-                <a:solidFill>
-                  <a:srgbClr val="007020"/>
-                </a:solidFill>
-                <a:latin typeface="Courier"/>
-              </a:rPr>
-              <a:t>for</a:t>
-            </a:r>
-            <a:r>
-              <a:rPr sz="1800">
-                <a:latin typeface="Courier"/>
-              </a:rPr>
-              <a:t> name, number </a:t>
-            </a:r>
-            <a:r>
-              <a:rPr sz="1800" b="1">
-                <a:solidFill>
-                  <a:srgbClr val="007020"/>
-                </a:solidFill>
-                <a:latin typeface="Courier"/>
-              </a:rPr>
-              <a:t>in</a:t>
-            </a:r>
-            <a:r>
-              <a:rPr sz="1800">
-                <a:latin typeface="Courier"/>
-              </a:rPr>
-              <a:t> phone_book.items():</a:t>
-            </a:r>
-            <a:br/>
-            <a:r>
-              <a:rPr sz="1800">
-                <a:latin typeface="Courier"/>
-              </a:rPr>
-              <a:t>    print(name, number)</a:t>
+              <a:t>But in fact, the comma is what allows python to recognize the tuple</a:t>
             </a:r>
           </a:p>
         </p:txBody>
@@ -6502,21 +6786,70 @@
             </a:pPr>
             <a:r>
               <a:rPr b="1"/>
-              <a:t>“Modifying” tuples</a:t>
+              <a:t>Accessing tuples</a:t>
             </a:r>
           </a:p>
           <a:p>
             <a:pPr lvl="1"/>
             <a:r>
               <a:rPr/>
-              <a:t>Like strings, tuples are immutable</a:t>
+              <a:t>Similar to lists, the items in a tuple are accessed by index position</a:t>
             </a:r>
           </a:p>
           <a:p>
             <a:pPr lvl="1"/>
             <a:r>
               <a:rPr/>
-              <a:t>If you try to reassign a value inside a tuple, Python will raise a type error</a:t>
+              <a:t>A common pattern is to assign the elements of tuples in a single line</a:t>
+            </a:r>
+          </a:p>
+          <a:p>
+            <a:pPr lvl="1"/>
+            <a:r>
+              <a:rPr/>
+              <a:t>For example, the .values() method of dictionaries returns key/value pairs as a tuple:</a:t>
+            </a:r>
+          </a:p>
+          <a:p>
+            <a:pPr lvl="0" marL="1270000" indent="0">
+              <a:buNone/>
+            </a:pPr>
+            <a:r>
+              <a:rPr sz="1800" b="1">
+                <a:solidFill>
+                  <a:srgbClr val="007020"/>
+                </a:solidFill>
+                <a:latin typeface="Courier"/>
+              </a:rPr>
+              <a:t>for</a:t>
+            </a:r>
+            <a:r>
+              <a:rPr sz="1800">
+                <a:latin typeface="Courier"/>
+              </a:rPr>
+              <a:t> name, number </a:t>
+            </a:r>
+            <a:r>
+              <a:rPr sz="1800" b="1">
+                <a:solidFill>
+                  <a:srgbClr val="007020"/>
+                </a:solidFill>
+                <a:latin typeface="Courier"/>
+              </a:rPr>
+              <a:t>in</a:t>
+            </a:r>
+            <a:r>
+              <a:rPr sz="1800">
+                <a:latin typeface="Courier"/>
+              </a:rPr>
+              <a:t> phone_book.items():</a:t>
+            </a:r>
+            <a:br/>
+            <a:r>
+              <a:rPr sz="1800">
+                <a:latin typeface="Courier"/>
+              </a:rPr>
+              <a:t>    print(name, number)</a:t>
             </a:r>
           </a:p>
         </p:txBody>
@@ -6527,6 +6860,70 @@
 </file>
 
 <file path=ppt/slides/slide35.xml><?xml version="1.0" encoding="utf-8"?>
+<p:sld xmlns:a="http://schemas.openxmlformats.org/drawingml/2006/main" xmlns:r="http://schemas.openxmlformats.org/officeDocument/2006/relationships" xmlns:p="http://schemas.openxmlformats.org/presentationml/2006/main">
+  <p:cSld>
+    <p:spTree>
+      <p:nvGrpSpPr>
+        <p:cNvPr id="1" name=""/>
+        <p:cNvGrpSpPr/>
+        <p:nvPr/>
+      </p:nvGrpSpPr>
+      <p:grpSpPr>
+        <a:xfrm>
+          <a:off x="0" y="0"/>
+          <a:ext cx="0" cy="0"/>
+          <a:chOff x="0" y="0"/>
+          <a:chExt cx="0" cy="0"/>
+        </a:xfrm>
+      </p:grpSpPr>
+      <p:sp>
+        <p:nvSpPr>
+          <p:cNvPr id="3" name="Content Placeholder 2"/>
+          <p:cNvSpPr>
+            <a:spLocks noGrp="1"/>
+          </p:cNvSpPr>
+          <p:nvPr>
+            <p:ph idx="1"/>
+          </p:nvPr>
+        </p:nvSpPr>
+        <p:spPr/>
+        <p:txBody>
+          <a:bodyPr/>
+          <a:lstStyle/>
+          <a:p>
+            <a:pPr lvl="0" marL="0" indent="0">
+              <a:spcBef>
+                <a:spcPts val="3000"/>
+              </a:spcBef>
+              <a:buNone/>
+            </a:pPr>
+            <a:r>
+              <a:rPr b="1"/>
+              <a:t>“Modifying” tuples</a:t>
+            </a:r>
+          </a:p>
+          <a:p>
+            <a:pPr lvl="1"/>
+            <a:r>
+              <a:rPr/>
+              <a:t>Like strings, tuples are immutable</a:t>
+            </a:r>
+          </a:p>
+          <a:p>
+            <a:pPr lvl="1"/>
+            <a:r>
+              <a:rPr/>
+              <a:t>If you try to reassign a value inside a tuple, Python will raise a type error</a:t>
+            </a:r>
+          </a:p>
+        </p:txBody>
+      </p:sp>
+    </p:spTree>
+  </p:cSld>
+</p:sld>
+</file>
+
+<file path=ppt/slides/slide36.xml><?xml version="1.0" encoding="utf-8"?>
 <p:sld xmlns:a="http://schemas.openxmlformats.org/drawingml/2006/main" xmlns:r="http://schemas.openxmlformats.org/officeDocument/2006/relationships" xmlns:p="http://schemas.openxmlformats.org/presentationml/2006/main">
   <p:cSld>
     <p:spTree>

--- a/modules/module03/slides.pptx
+++ b/modules/module03/slides.pptx
@@ -5736,7 +5736,7 @@
               <a:rPr sz="1800">
                 <a:latin typeface="Courier"/>
               </a:rPr>
-              <a:t> phone_book.values():</a:t>
+              <a:t> phone_book.items():</a:t>
             </a:r>
             <a:br/>
             <a:r>
@@ -6807,7 +6807,7 @@
             <a:pPr lvl="1"/>
             <a:r>
               <a:rPr/>
-              <a:t>For example, the .values() method of dictionaries returns key/value pairs as a tuple:</a:t>
+              <a:t>For example, the .items() method of dictionaries returns key/value pairs as a tuple:</a:t>
             </a:r>
           </a:p>
           <a:p>

--- a/modules/module03/slides.pptx
+++ b/modules/module03/slides.pptx
@@ -339,7 +339,7 @@
           <a:p>
             <a:fld id="{241EB5C9-1307-BA42-ABA2-0BC069CD8E7F}" type="datetimeFigureOut">
               <a:rPr lang="en-US" smtClean="0"/>
-              <a:t>2/17/2018</a:t>
+              <a:t>4/5/2019</a:t>
             </a:fld>
             <a:endParaRPr lang="en-US"/>
           </a:p>
@@ -509,7 +509,7 @@
           <a:p>
             <a:fld id="{241EB5C9-1307-BA42-ABA2-0BC069CD8E7F}" type="datetimeFigureOut">
               <a:rPr lang="en-US" smtClean="0"/>
-              <a:t>2/17/2018</a:t>
+              <a:t>4/5/2019</a:t>
             </a:fld>
             <a:endParaRPr lang="en-US"/>
           </a:p>
@@ -689,7 +689,7 @@
           <a:p>
             <a:fld id="{241EB5C9-1307-BA42-ABA2-0BC069CD8E7F}" type="datetimeFigureOut">
               <a:rPr lang="en-US" smtClean="0"/>
-              <a:t>2/17/2018</a:t>
+              <a:t>4/5/2019</a:t>
             </a:fld>
             <a:endParaRPr lang="en-US"/>
           </a:p>
@@ -859,7 +859,7 @@
           <a:p>
             <a:fld id="{241EB5C9-1307-BA42-ABA2-0BC069CD8E7F}" type="datetimeFigureOut">
               <a:rPr lang="en-US" smtClean="0"/>
-              <a:t>2/17/2018</a:t>
+              <a:t>4/5/2019</a:t>
             </a:fld>
             <a:endParaRPr lang="en-US"/>
           </a:p>
@@ -1105,7 +1105,7 @@
           <a:p>
             <a:fld id="{241EB5C9-1307-BA42-ABA2-0BC069CD8E7F}" type="datetimeFigureOut">
               <a:rPr lang="en-US" smtClean="0"/>
-              <a:t>2/17/2018</a:t>
+              <a:t>4/5/2019</a:t>
             </a:fld>
             <a:endParaRPr lang="en-US"/>
           </a:p>
@@ -1393,7 +1393,7 @@
           <a:p>
             <a:fld id="{241EB5C9-1307-BA42-ABA2-0BC069CD8E7F}" type="datetimeFigureOut">
               <a:rPr lang="en-US" smtClean="0"/>
-              <a:t>2/17/2018</a:t>
+              <a:t>4/5/2019</a:t>
             </a:fld>
             <a:endParaRPr lang="en-US"/>
           </a:p>
@@ -1815,7 +1815,7 @@
           <a:p>
             <a:fld id="{241EB5C9-1307-BA42-ABA2-0BC069CD8E7F}" type="datetimeFigureOut">
               <a:rPr lang="en-US" smtClean="0"/>
-              <a:t>2/17/2018</a:t>
+              <a:t>4/5/2019</a:t>
             </a:fld>
             <a:endParaRPr lang="en-US"/>
           </a:p>
@@ -1933,7 +1933,7 @@
           <a:p>
             <a:fld id="{241EB5C9-1307-BA42-ABA2-0BC069CD8E7F}" type="datetimeFigureOut">
               <a:rPr lang="en-US" smtClean="0"/>
-              <a:t>2/17/2018</a:t>
+              <a:t>4/5/2019</a:t>
             </a:fld>
             <a:endParaRPr lang="en-US"/>
           </a:p>
@@ -2028,7 +2028,7 @@
           <a:p>
             <a:fld id="{241EB5C9-1307-BA42-ABA2-0BC069CD8E7F}" type="datetimeFigureOut">
               <a:rPr lang="en-US" smtClean="0"/>
-              <a:t>2/17/2018</a:t>
+              <a:t>4/5/2019</a:t>
             </a:fld>
             <a:endParaRPr lang="en-US"/>
           </a:p>
@@ -2305,7 +2305,7 @@
           <a:p>
             <a:fld id="{241EB5C9-1307-BA42-ABA2-0BC069CD8E7F}" type="datetimeFigureOut">
               <a:rPr lang="en-US" smtClean="0"/>
-              <a:t>2/17/2018</a:t>
+              <a:t>4/5/2019</a:t>
             </a:fld>
             <a:endParaRPr lang="en-US"/>
           </a:p>
@@ -2558,7 +2558,7 @@
           <a:p>
             <a:fld id="{241EB5C9-1307-BA42-ABA2-0BC069CD8E7F}" type="datetimeFigureOut">
               <a:rPr lang="en-US" smtClean="0"/>
-              <a:t>2/17/2018</a:t>
+              <a:t>4/5/2019</a:t>
             </a:fld>
             <a:endParaRPr lang="en-US"/>
           </a:p>
@@ -2771,7 +2771,7 @@
           <a:p>
             <a:fld id="{241EB5C9-1307-BA42-ABA2-0BC069CD8E7F}" type="datetimeFigureOut">
               <a:rPr lang="en-US" smtClean="0"/>
-              <a:t>2/17/2018</a:t>
+              <a:t>4/5/2019</a:t>
             </a:fld>
             <a:endParaRPr lang="en-US"/>
           </a:p>
